--- a/CKDSurveillance/PPT/Q700.pptx
+++ b/CKDSurveillance/PPT/Q700.pptx
@@ -7,7 +7,8 @@
   <p:sldIdLst>
     <p:sldId id="256" r:id="rId2"/>
     <p:sldId id="267" r:id="rId3"/>
-    <p:sldId id="268" r:id="rId4"/>
+    <p:sldId id="270" r:id="rId4"/>
+    <p:sldId id="268" r:id="rId5"/>
   </p:sldIdLst>
   <p:sldSz cx="12192000" cy="6858000"/>
   <p:notesSz cx="6858000" cy="9144000"/>
@@ -139,6 +140,7 @@
       <c:style val="2"/>
     </mc:Fallback>
   </mc:AlternateContent>
+  <c:clrMapOvr bg1="lt1" tx1="dk1" bg2="lt2" tx2="dk2" accent1="accent1" accent2="accent2" accent3="accent3" accent4="accent4" accent5="accent5" accent6="accent6" hlink="hlink" folHlink="folHlink"/>
   <c:chart>
     <c:autoTitleDeleted val="1"/>
     <c:plotArea>
@@ -163,7 +165,7 @@
           <c:spPr>
             <a:ln w="44450" cap="rnd">
               <a:solidFill>
-                <a:schemeClr val="accent2"/>
+                <a:srgbClr val="ED7D31"/>
               </a:solidFill>
               <a:round/>
             </a:ln>
@@ -174,11 +176,11 @@
             <c:size val="5"/>
             <c:spPr>
               <a:solidFill>
-                <a:schemeClr val="accent2"/>
+                <a:srgbClr val="ED7D31"/>
               </a:solidFill>
               <a:ln w="44450">
                 <a:solidFill>
-                  <a:schemeClr val="accent2"/>
+                  <a:srgbClr val="ED7D31"/>
                 </a:solidFill>
               </a:ln>
               <a:effectLst/>
@@ -211,7 +213,7 @@
             <c:numRef>
               <c:f>NHANES!$B$2:$B$6</c:f>
               <c:numCache>
-                <c:formatCode>General</c:formatCode>
+                <c:formatCode>0.0</c:formatCode>
                 <c:ptCount val="5"/>
                 <c:pt idx="0">
                   <c:v>9.4</c:v>
@@ -234,7 +236,7 @@
           <c:smooth val="0"/>
           <c:extLst>
             <c:ext xmlns:c16="http://schemas.microsoft.com/office/drawing/2014/chart" uri="{C3380CC4-5D6E-409C-BE32-E72D297353CC}">
-              <c16:uniqueId val="{00000000-0D68-4619-BA7E-809615830076}"/>
+              <c16:uniqueId val="{00000000-EB7C-401C-AE85-B7466252011E}"/>
             </c:ext>
           </c:extLst>
         </c:ser>
@@ -255,7 +257,7 @@
           <c:spPr>
             <a:ln w="44450" cap="rnd">
               <a:solidFill>
-                <a:srgbClr val="009999"/>
+                <a:srgbClr val="008080"/>
               </a:solidFill>
               <a:round/>
             </a:ln>
@@ -266,11 +268,11 @@
             <c:size val="5"/>
             <c:spPr>
               <a:solidFill>
-                <a:srgbClr val="009999"/>
+                <a:srgbClr val="008080"/>
               </a:solidFill>
               <a:ln w="44450">
                 <a:solidFill>
-                  <a:srgbClr val="009999"/>
+                  <a:srgbClr val="008080"/>
                 </a:solidFill>
               </a:ln>
               <a:effectLst/>
@@ -303,7 +305,7 @@
             <c:numRef>
               <c:f>NHANES!$C$2:$C$6</c:f>
               <c:numCache>
-                <c:formatCode>General</c:formatCode>
+                <c:formatCode>0.0</c:formatCode>
                 <c:ptCount val="5"/>
                 <c:pt idx="0">
                   <c:v>11.1</c:v>
@@ -326,7 +328,7 @@
           <c:smooth val="0"/>
           <c:extLst>
             <c:ext xmlns:c16="http://schemas.microsoft.com/office/drawing/2014/chart" uri="{C3380CC4-5D6E-409C-BE32-E72D297353CC}">
-              <c16:uniqueId val="{00000001-0D68-4619-BA7E-809615830076}"/>
+              <c16:uniqueId val="{00000001-EB7C-401C-AE85-B7466252011E}"/>
             </c:ext>
           </c:extLst>
         </c:ser>
@@ -347,7 +349,10 @@
           <c:spPr>
             <a:ln w="44450" cap="rnd">
               <a:solidFill>
-                <a:schemeClr val="accent3"/>
+                <a:sysClr val="windowText" lastClr="000000">
+                  <a:lumMod val="50000"/>
+                  <a:lumOff val="50000"/>
+                </a:sysClr>
               </a:solidFill>
               <a:round/>
             </a:ln>
@@ -358,11 +363,17 @@
             <c:size val="5"/>
             <c:spPr>
               <a:solidFill>
-                <a:schemeClr val="accent3"/>
+                <a:schemeClr val="tx1">
+                  <a:lumMod val="50000"/>
+                  <a:lumOff val="50000"/>
+                </a:schemeClr>
               </a:solidFill>
               <a:ln w="44450">
                 <a:solidFill>
-                  <a:schemeClr val="accent3"/>
+                  <a:sysClr val="windowText" lastClr="000000">
+                    <a:lumMod val="50000"/>
+                    <a:lumOff val="50000"/>
+                  </a:sysClr>
                 </a:solidFill>
               </a:ln>
               <a:effectLst/>
@@ -395,7 +406,7 @@
             <c:numRef>
               <c:f>NHANES!$D$2:$D$6</c:f>
               <c:numCache>
-                <c:formatCode>General</c:formatCode>
+                <c:formatCode>0.0</c:formatCode>
                 <c:ptCount val="5"/>
                 <c:pt idx="0">
                   <c:v>16.2</c:v>
@@ -418,7 +429,7 @@
           <c:smooth val="0"/>
           <c:extLst>
             <c:ext xmlns:c16="http://schemas.microsoft.com/office/drawing/2014/chart" uri="{C3380CC4-5D6E-409C-BE32-E72D297353CC}">
-              <c16:uniqueId val="{00000002-0D68-4619-BA7E-809615830076}"/>
+              <c16:uniqueId val="{00000002-EB7C-401C-AE85-B7466252011E}"/>
             </c:ext>
           </c:extLst>
         </c:ser>
@@ -439,7 +450,7 @@
           <c:spPr>
             <a:ln w="44450" cap="rnd">
               <a:solidFill>
-                <a:srgbClr val="7030A0"/>
+                <a:srgbClr val="800080"/>
               </a:solidFill>
               <a:round/>
             </a:ln>
@@ -450,11 +461,11 @@
             <c:size val="5"/>
             <c:spPr>
               <a:solidFill>
-                <a:srgbClr val="7030A0"/>
+                <a:srgbClr val="800080"/>
               </a:solidFill>
               <a:ln w="44450">
                 <a:solidFill>
-                  <a:srgbClr val="7030A0"/>
+                  <a:srgbClr val="800080"/>
                 </a:solidFill>
               </a:ln>
               <a:effectLst/>
@@ -487,7 +498,7 @@
             <c:numRef>
               <c:f>NHANES!$E$2:$E$6</c:f>
               <c:numCache>
-                <c:formatCode>General</c:formatCode>
+                <c:formatCode>0.0</c:formatCode>
                 <c:ptCount val="5"/>
                 <c:pt idx="0">
                   <c:v>13.1</c:v>
@@ -510,7 +521,7 @@
           <c:smooth val="0"/>
           <c:extLst>
             <c:ext xmlns:c16="http://schemas.microsoft.com/office/drawing/2014/chart" uri="{C3380CC4-5D6E-409C-BE32-E72D297353CC}">
-              <c16:uniqueId val="{00000003-0D68-4619-BA7E-809615830076}"/>
+              <c16:uniqueId val="{00000003-EB7C-401C-AE85-B7466252011E}"/>
             </c:ext>
           </c:extLst>
         </c:ser>
@@ -556,9 +567,9 @@
           <a:lstStyle/>
           <a:p>
             <a:pPr>
-              <a:defRPr sz="2400" b="0" i="0" u="none" strike="noStrike" kern="1200" baseline="0">
+              <a:defRPr sz="2300" b="0" i="0" u="none" strike="noStrike" kern="1200" baseline="0">
                 <a:solidFill>
-                  <a:schemeClr val="tx1"/>
+                  <a:sysClr val="windowText" lastClr="000000"/>
                 </a:solidFill>
                 <a:latin typeface="+mn-lt"/>
                 <a:ea typeface="+mn-ea"/>
@@ -603,9 +614,9 @@
               <a:lstStyle/>
               <a:p>
                 <a:pPr>
-                  <a:defRPr sz="2800" b="0" i="0" u="none" strike="noStrike" kern="1200" baseline="0">
+                  <a:defRPr sz="2400" b="0" i="0" u="none" strike="noStrike" kern="1200" baseline="0">
                     <a:solidFill>
-                      <a:schemeClr val="tx1"/>
+                      <a:sysClr val="windowText" lastClr="000000"/>
                     </a:solidFill>
                     <a:latin typeface="+mn-lt"/>
                     <a:ea typeface="+mn-ea"/>
@@ -613,24 +624,24 @@
                   </a:defRPr>
                 </a:pPr>
                 <a:r>
-                  <a:rPr lang="en-US" sz="2800">
+                  <a:rPr lang="en-US" sz="2400">
                     <a:solidFill>
-                      <a:schemeClr val="tx1"/>
+                      <a:sysClr val="windowText" lastClr="000000"/>
                     </a:solidFill>
                   </a:rPr>
                   <a:t>NSAID</a:t>
                 </a:r>
                 <a:r>
-                  <a:rPr lang="en-US" sz="2800" baseline="0">
+                  <a:rPr lang="en-US" sz="2400" baseline="0">
                     <a:solidFill>
-                      <a:schemeClr val="tx1"/>
+                      <a:sysClr val="windowText" lastClr="000000"/>
                     </a:solidFill>
                   </a:rPr>
                   <a:t> use (%)</a:t>
                 </a:r>
-                <a:endParaRPr lang="en-US" sz="2800">
+                <a:endParaRPr lang="en-US" sz="2400">
                   <a:solidFill>
-                    <a:schemeClr val="tx1"/>
+                    <a:sysClr val="windowText" lastClr="000000"/>
                   </a:solidFill>
                 </a:endParaRPr>
               </a:p>
@@ -640,8 +651,8 @@
             <c:manualLayout>
               <c:xMode val="edge"/>
               <c:yMode val="edge"/>
-              <c:x val="2.2157996986861355E-3"/>
-              <c:y val="0.22430304137781382"/>
+              <c:x val="0"/>
+              <c:y val="0.23137580040113193"/>
             </c:manualLayout>
           </c:layout>
           <c:overlay val="0"/>
@@ -657,9 +668,9 @@
             <a:lstStyle/>
             <a:p>
               <a:pPr>
-                <a:defRPr sz="2800" b="0" i="0" u="none" strike="noStrike" kern="1200" baseline="0">
+                <a:defRPr sz="2400" b="0" i="0" u="none" strike="noStrike" kern="1200" baseline="0">
                   <a:solidFill>
-                    <a:schemeClr val="tx1"/>
+                    <a:sysClr val="windowText" lastClr="000000"/>
                   </a:solidFill>
                   <a:latin typeface="+mn-lt"/>
                   <a:ea typeface="+mn-ea"/>
@@ -670,7 +681,7 @@
             </a:p>
           </c:txPr>
         </c:title>
-        <c:numFmt formatCode="General" sourceLinked="1"/>
+        <c:numFmt formatCode="0" sourceLinked="0"/>
         <c:majorTickMark val="none"/>
         <c:minorTickMark val="none"/>
         <c:tickLblPos val="nextTo"/>
@@ -686,9 +697,9 @@
           <a:lstStyle/>
           <a:p>
             <a:pPr>
-              <a:defRPr sz="2400" b="0" i="0" u="none" strike="noStrike" kern="1200" baseline="0">
+              <a:defRPr sz="2300" b="0" i="0" u="none" strike="noStrike" kern="1200" baseline="0">
                 <a:solidFill>
-                  <a:schemeClr val="tx1"/>
+                  <a:sysClr val="windowText" lastClr="000000"/>
                 </a:solidFill>
                 <a:latin typeface="+mn-lt"/>
                 <a:ea typeface="+mn-ea"/>
@@ -716,10 +727,10 @@
         <c:manualLayout>
           <c:xMode val="edge"/>
           <c:yMode val="edge"/>
-          <c:x val="9.907171950418428E-2"/>
-          <c:y val="0.90675144759533577"/>
-          <c:w val="0.88827266200418209"/>
-          <c:h val="9.065846213084075E-2"/>
+          <c:x val="0.15698203740157482"/>
+          <c:y val="0.92133830262499639"/>
+          <c:w val="0.77561917650918633"/>
+          <c:h val="7.8661697375003614E-2"/>
         </c:manualLayout>
       </c:layout>
       <c:overlay val="0"/>
@@ -735,9 +746,9 @@
         <a:lstStyle/>
         <a:p>
           <a:pPr>
-            <a:defRPr sz="2400" b="0" i="0" u="none" strike="noStrike" kern="1200" baseline="0">
+            <a:defRPr sz="2200" b="0" i="0" u="none" strike="noStrike" kern="1200" baseline="0">
               <a:solidFill>
-                <a:schemeClr val="tx1"/>
+                <a:sysClr val="windowText" lastClr="000000"/>
               </a:solidFill>
               <a:latin typeface="+mn-lt"/>
               <a:ea typeface="+mn-ea"/>
@@ -760,9 +771,12 @@
     <c:showDLblsOverMax val="0"/>
   </c:chart>
   <c:spPr>
-    <a:noFill/>
-    <a:ln>
+    <a:solidFill>
+      <a:schemeClr val="bg1"/>
+    </a:solidFill>
+    <a:ln w="9525" cap="flat" cmpd="sng" algn="ctr">
       <a:noFill/>
+      <a:round/>
     </a:ln>
     <a:effectLst/>
   </c:spPr>
@@ -776,7 +790,7 @@
       <a:endParaRPr lang="en-US"/>
     </a:p>
   </c:txPr>
-  <c:externalData r:id="rId3">
+  <c:externalData r:id="rId4">
     <c:autoUpdate val="0"/>
   </c:externalData>
 </c:chartSpace>
@@ -807,7 +821,7 @@
           <c:order val="0"/>
           <c:tx>
             <c:strRef>
-              <c:f>Optum!$B$1</c:f>
+              <c:f>NHANES!$B$26</c:f>
               <c:strCache>
                 <c:ptCount val="1"/>
                 <c:pt idx="0">
@@ -830,9 +844,7 @@
             <c:size val="5"/>
             <c:spPr>
               <a:solidFill>
-                <a:schemeClr val="accent2">
-                  <a:alpha val="97000"/>
-                </a:schemeClr>
+                <a:schemeClr val="accent2"/>
               </a:solidFill>
               <a:ln w="44450">
                 <a:solidFill>
@@ -843,109 +855,48 @@
             </c:spPr>
           </c:marker>
           <c:cat>
-            <c:numRef>
-              <c:f>Optum!$A$2:$A$16</c:f>
-              <c:numCache>
-                <c:formatCode>General</c:formatCode>
-                <c:ptCount val="15"/>
+            <c:strRef>
+              <c:f>NHANES!$A$27:$A$31</c:f>
+              <c:strCache>
+                <c:ptCount val="5"/>
                 <c:pt idx="0">
-                  <c:v>2006</c:v>
+                  <c:v>2001–2004</c:v>
                 </c:pt>
                 <c:pt idx="1">
-                  <c:v>2007</c:v>
+                  <c:v>2005–2008</c:v>
                 </c:pt>
                 <c:pt idx="2">
-                  <c:v>2008</c:v>
+                  <c:v>2009–2012</c:v>
                 </c:pt>
                 <c:pt idx="3">
-                  <c:v>2009</c:v>
+                  <c:v>2013–2016</c:v>
                 </c:pt>
                 <c:pt idx="4">
-                  <c:v>2010</c:v>
-                </c:pt>
-                <c:pt idx="5">
-                  <c:v>2011</c:v>
-                </c:pt>
-                <c:pt idx="6">
-                  <c:v>2012</c:v>
-                </c:pt>
-                <c:pt idx="7">
-                  <c:v>2013</c:v>
-                </c:pt>
-                <c:pt idx="8">
-                  <c:v>2014</c:v>
-                </c:pt>
-                <c:pt idx="9">
-                  <c:v>2015</c:v>
-                </c:pt>
-                <c:pt idx="10">
-                  <c:v>2016</c:v>
-                </c:pt>
-                <c:pt idx="11">
-                  <c:v>2017</c:v>
-                </c:pt>
-                <c:pt idx="12">
-                  <c:v>2018</c:v>
-                </c:pt>
-                <c:pt idx="13">
-                  <c:v>2019</c:v>
-                </c:pt>
-                <c:pt idx="14">
-                  <c:v>2020</c:v>
-                </c:pt>
-              </c:numCache>
-            </c:numRef>
+                  <c:v>2017–2020</c:v>
+                </c:pt>
+              </c:strCache>
+            </c:strRef>
           </c:cat>
           <c:val>
             <c:numRef>
-              <c:f>Optum!$B$2:$B$16</c:f>
+              <c:f>NHANES!$B$27:$B$31</c:f>
               <c:numCache>
                 <c:formatCode>0.0</c:formatCode>
-                <c:ptCount val="15"/>
+                <c:ptCount val="5"/>
                 <c:pt idx="0">
-                  <c:v>11.548576197142829</c:v>
+                  <c:v>10.199999999999999</c:v>
                 </c:pt>
                 <c:pt idx="1">
-                  <c:v>11.532717363924524</c:v>
+                  <c:v>5.8</c:v>
                 </c:pt>
                 <c:pt idx="2">
-                  <c:v>12.021041064970543</c:v>
+                  <c:v>4.8</c:v>
                 </c:pt>
                 <c:pt idx="3">
-                  <c:v>12.457094536271644</c:v>
+                  <c:v>5.6</c:v>
                 </c:pt>
                 <c:pt idx="4">
-                  <c:v>12.50346801329866</c:v>
-                </c:pt>
-                <c:pt idx="5">
-                  <c:v>12.853714180895725</c:v>
-                </c:pt>
-                <c:pt idx="6">
-                  <c:v>12.994996959970134</c:v>
-                </c:pt>
-                <c:pt idx="7">
-                  <c:v>12.812670137895585</c:v>
-                </c:pt>
-                <c:pt idx="8">
-                  <c:v>12.469869898220516</c:v>
-                </c:pt>
-                <c:pt idx="9">
-                  <c:v>11.960486582881007</c:v>
-                </c:pt>
-                <c:pt idx="10">
-                  <c:v>12.217892989082371</c:v>
-                </c:pt>
-                <c:pt idx="11">
-                  <c:v>12.737352877383362</c:v>
-                </c:pt>
-                <c:pt idx="12">
-                  <c:v>12.810472784675699</c:v>
-                </c:pt>
-                <c:pt idx="13">
-                  <c:v>13.203258031145037</c:v>
-                </c:pt>
-                <c:pt idx="14">
-                  <c:v>12.587225964277076</c:v>
+                  <c:v>6</c:v>
                 </c:pt>
               </c:numCache>
             </c:numRef>
@@ -953,7 +904,7 @@
           <c:smooth val="0"/>
           <c:extLst>
             <c:ext xmlns:c16="http://schemas.microsoft.com/office/drawing/2014/chart" uri="{C3380CC4-5D6E-409C-BE32-E72D297353CC}">
-              <c16:uniqueId val="{00000000-5106-4045-88C7-0F97B0AE4488}"/>
+              <c16:uniqueId val="{00000000-C178-4CD2-831C-2D51D1A92728}"/>
             </c:ext>
           </c:extLst>
         </c:ser>
@@ -962,7 +913,7 @@
           <c:order val="1"/>
           <c:tx>
             <c:strRef>
-              <c:f>Optum!$C$1</c:f>
+              <c:f>NHANES!$C$26</c:f>
               <c:strCache>
                 <c:ptCount val="1"/>
                 <c:pt idx="0">
@@ -974,7 +925,7 @@
           <c:spPr>
             <a:ln w="44450" cap="rnd">
               <a:solidFill>
-                <a:srgbClr val="009999"/>
+                <a:srgbClr val="008080"/>
               </a:solidFill>
               <a:round/>
             </a:ln>
@@ -985,120 +936,59 @@
             <c:size val="5"/>
             <c:spPr>
               <a:solidFill>
-                <a:srgbClr val="009999"/>
+                <a:srgbClr val="008080"/>
               </a:solidFill>
               <a:ln w="44450">
                 <a:solidFill>
-                  <a:srgbClr val="009999"/>
+                  <a:srgbClr val="008080"/>
                 </a:solidFill>
               </a:ln>
               <a:effectLst/>
             </c:spPr>
           </c:marker>
           <c:cat>
-            <c:numRef>
-              <c:f>Optum!$A$2:$A$16</c:f>
-              <c:numCache>
-                <c:formatCode>General</c:formatCode>
-                <c:ptCount val="15"/>
+            <c:strRef>
+              <c:f>NHANES!$A$27:$A$31</c:f>
+              <c:strCache>
+                <c:ptCount val="5"/>
                 <c:pt idx="0">
-                  <c:v>2006</c:v>
+                  <c:v>2001–2004</c:v>
                 </c:pt>
                 <c:pt idx="1">
-                  <c:v>2007</c:v>
+                  <c:v>2005–2008</c:v>
                 </c:pt>
                 <c:pt idx="2">
-                  <c:v>2008</c:v>
+                  <c:v>2009–2012</c:v>
                 </c:pt>
                 <c:pt idx="3">
-                  <c:v>2009</c:v>
+                  <c:v>2013–2016</c:v>
                 </c:pt>
                 <c:pt idx="4">
-                  <c:v>2010</c:v>
-                </c:pt>
-                <c:pt idx="5">
-                  <c:v>2011</c:v>
-                </c:pt>
-                <c:pt idx="6">
-                  <c:v>2012</c:v>
-                </c:pt>
-                <c:pt idx="7">
-                  <c:v>2013</c:v>
-                </c:pt>
-                <c:pt idx="8">
-                  <c:v>2014</c:v>
-                </c:pt>
-                <c:pt idx="9">
-                  <c:v>2015</c:v>
-                </c:pt>
-                <c:pt idx="10">
-                  <c:v>2016</c:v>
-                </c:pt>
-                <c:pt idx="11">
-                  <c:v>2017</c:v>
-                </c:pt>
-                <c:pt idx="12">
-                  <c:v>2018</c:v>
-                </c:pt>
-                <c:pt idx="13">
-                  <c:v>2019</c:v>
-                </c:pt>
-                <c:pt idx="14">
-                  <c:v>2020</c:v>
-                </c:pt>
-              </c:numCache>
-            </c:numRef>
+                  <c:v>2017–2020</c:v>
+                </c:pt>
+              </c:strCache>
+            </c:strRef>
           </c:cat>
           <c:val>
             <c:numRef>
-              <c:f>Optum!$C$2:$C$16</c:f>
+              <c:f>NHANES!$C$27:$C$31</c:f>
               <c:numCache>
                 <c:formatCode>0.0</c:formatCode>
-                <c:ptCount val="15"/>
+                <c:ptCount val="5"/>
                 <c:pt idx="0">
-                  <c:v>16.848182653195117</c:v>
+                  <c:v>10.3</c:v>
                 </c:pt>
                 <c:pt idx="1">
-                  <c:v>15.652003142183817</c:v>
+                  <c:v>7.9</c:v>
                 </c:pt>
                 <c:pt idx="2">
-                  <c:v>17.609543817527008</c:v>
+                  <c:v>5.3</c:v>
                 </c:pt>
                 <c:pt idx="3">
-                  <c:v>17.824578790882061</c:v>
+                  <c:v>7.4</c:v>
                 </c:pt>
                 <c:pt idx="4">
-                  <c:v>18.078825594383279</c:v>
-                </c:pt>
-                <c:pt idx="5">
-                  <c:v>19.269614287088395</c:v>
-                </c:pt>
-                <c:pt idx="6">
-                  <c:v>19.346817401112563</c:v>
-                </c:pt>
-                <c:pt idx="7">
-                  <c:v>19.51006306325057</c:v>
-                </c:pt>
-                <c:pt idx="8">
-                  <c:v>19.089878415888034</c:v>
-                </c:pt>
-                <c:pt idx="9">
-                  <c:v>18.122293642588513</c:v>
-                </c:pt>
-                <c:pt idx="10">
-                  <c:v>18.676528427216709</c:v>
-                </c:pt>
-                <c:pt idx="11">
-                  <c:v>18.699167562831082</c:v>
-                </c:pt>
-                <c:pt idx="12">
-                  <c:v>18.5487161353498</c:v>
-                </c:pt>
-                <c:pt idx="13">
-                  <c:v>19.902780570306682</c:v>
-                </c:pt>
-                <c:pt idx="14">
-                  <c:v>19.630232465250039</c:v>
+                  <c:v>5.0999999999999996</c:v>
                 </c:pt>
               </c:numCache>
             </c:numRef>
@@ -1106,7 +996,7 @@
           <c:smooth val="0"/>
           <c:extLst>
             <c:ext xmlns:c16="http://schemas.microsoft.com/office/drawing/2014/chart" uri="{C3380CC4-5D6E-409C-BE32-E72D297353CC}">
-              <c16:uniqueId val="{00000001-5106-4045-88C7-0F97B0AE4488}"/>
+              <c16:uniqueId val="{00000001-C178-4CD2-831C-2D51D1A92728}"/>
             </c:ext>
           </c:extLst>
         </c:ser>
@@ -1115,7 +1005,7 @@
           <c:order val="2"/>
           <c:tx>
             <c:strRef>
-              <c:f>Optum!$D$1</c:f>
+              <c:f>NHANES!$D$26</c:f>
               <c:strCache>
                 <c:ptCount val="1"/>
                 <c:pt idx="0">
@@ -1149,109 +1039,48 @@
             </c:spPr>
           </c:marker>
           <c:cat>
-            <c:numRef>
-              <c:f>Optum!$A$2:$A$16</c:f>
-              <c:numCache>
-                <c:formatCode>General</c:formatCode>
-                <c:ptCount val="15"/>
+            <c:strRef>
+              <c:f>NHANES!$A$27:$A$31</c:f>
+              <c:strCache>
+                <c:ptCount val="5"/>
                 <c:pt idx="0">
-                  <c:v>2006</c:v>
+                  <c:v>2001–2004</c:v>
                 </c:pt>
                 <c:pt idx="1">
-                  <c:v>2007</c:v>
+                  <c:v>2005–2008</c:v>
                 </c:pt>
                 <c:pt idx="2">
-                  <c:v>2008</c:v>
+                  <c:v>2009–2012</c:v>
                 </c:pt>
                 <c:pt idx="3">
-                  <c:v>2009</c:v>
+                  <c:v>2013–2016</c:v>
                 </c:pt>
                 <c:pt idx="4">
-                  <c:v>2010</c:v>
-                </c:pt>
-                <c:pt idx="5">
-                  <c:v>2011</c:v>
-                </c:pt>
-                <c:pt idx="6">
-                  <c:v>2012</c:v>
-                </c:pt>
-                <c:pt idx="7">
-                  <c:v>2013</c:v>
-                </c:pt>
-                <c:pt idx="8">
-                  <c:v>2014</c:v>
-                </c:pt>
-                <c:pt idx="9">
-                  <c:v>2015</c:v>
-                </c:pt>
-                <c:pt idx="10">
-                  <c:v>2016</c:v>
-                </c:pt>
-                <c:pt idx="11">
-                  <c:v>2017</c:v>
-                </c:pt>
-                <c:pt idx="12">
-                  <c:v>2018</c:v>
-                </c:pt>
-                <c:pt idx="13">
-                  <c:v>2019</c:v>
-                </c:pt>
-                <c:pt idx="14">
-                  <c:v>2020</c:v>
-                </c:pt>
-              </c:numCache>
-            </c:numRef>
+                  <c:v>2017–2020</c:v>
+                </c:pt>
+              </c:strCache>
+            </c:strRef>
           </c:cat>
           <c:val>
             <c:numRef>
-              <c:f>Optum!$D$2:$D$16</c:f>
+              <c:f>NHANES!$D$27:$D$31</c:f>
               <c:numCache>
                 <c:formatCode>0.0</c:formatCode>
-                <c:ptCount val="15"/>
+                <c:ptCount val="5"/>
                 <c:pt idx="0">
-                  <c:v>12.520145898719145</c:v>
+                  <c:v>9.4</c:v>
                 </c:pt>
                 <c:pt idx="1">
-                  <c:v>11.748567247896597</c:v>
+                  <c:v>5.2</c:v>
                 </c:pt>
                 <c:pt idx="2">
-                  <c:v>13.75353469120118</c:v>
+                  <c:v>10.8</c:v>
                 </c:pt>
                 <c:pt idx="3">
-                  <c:v>15.134146944018973</c:v>
+                  <c:v>12.1</c:v>
                 </c:pt>
                 <c:pt idx="4">
-                  <c:v>15.365942690271947</c:v>
-                </c:pt>
-                <c:pt idx="5">
-                  <c:v>15.784264505486625</c:v>
-                </c:pt>
-                <c:pt idx="6">
-                  <c:v>15.305539011316259</c:v>
-                </c:pt>
-                <c:pt idx="7">
-                  <c:v>15.43097273291629</c:v>
-                </c:pt>
-                <c:pt idx="8">
-                  <c:v>14.910919261486727</c:v>
-                </c:pt>
-                <c:pt idx="9">
-                  <c:v>13.376485919327505</c:v>
-                </c:pt>
-                <c:pt idx="10">
-                  <c:v>13.67799898081971</c:v>
-                </c:pt>
-                <c:pt idx="11">
-                  <c:v>13.699103895061231</c:v>
-                </c:pt>
-                <c:pt idx="12">
-                  <c:v>13.532070608950555</c:v>
-                </c:pt>
-                <c:pt idx="13">
-                  <c:v>15.101232975690101</c:v>
-                </c:pt>
-                <c:pt idx="14">
-                  <c:v>14.981272686265928</c:v>
+                  <c:v>5.7</c:v>
                 </c:pt>
               </c:numCache>
             </c:numRef>
@@ -1259,7 +1088,7 @@
           <c:smooth val="0"/>
           <c:extLst>
             <c:ext xmlns:c16="http://schemas.microsoft.com/office/drawing/2014/chart" uri="{C3380CC4-5D6E-409C-BE32-E72D297353CC}">
-              <c16:uniqueId val="{00000002-5106-4045-88C7-0F97B0AE4488}"/>
+              <c16:uniqueId val="{00000002-C178-4CD2-831C-2D51D1A92728}"/>
             </c:ext>
           </c:extLst>
         </c:ser>
@@ -1268,7 +1097,7 @@
           <c:order val="3"/>
           <c:tx>
             <c:strRef>
-              <c:f>Optum!$E$1</c:f>
+              <c:f>NHANES!$E$26</c:f>
               <c:strCache>
                 <c:ptCount val="1"/>
                 <c:pt idx="0">
@@ -1280,7 +1109,7 @@
           <c:spPr>
             <a:ln w="44450" cap="rnd">
               <a:solidFill>
-                <a:srgbClr val="7030A0"/>
+                <a:srgbClr val="800080"/>
               </a:solidFill>
               <a:round/>
             </a:ln>
@@ -1291,120 +1120,59 @@
             <c:size val="5"/>
             <c:spPr>
               <a:solidFill>
-                <a:srgbClr val="7030A0"/>
+                <a:srgbClr val="800080"/>
               </a:solidFill>
               <a:ln w="44450">
                 <a:solidFill>
-                  <a:srgbClr val="7030A0"/>
+                  <a:srgbClr val="800080"/>
                 </a:solidFill>
               </a:ln>
               <a:effectLst/>
             </c:spPr>
           </c:marker>
           <c:cat>
-            <c:numRef>
-              <c:f>Optum!$A$2:$A$16</c:f>
-              <c:numCache>
-                <c:formatCode>General</c:formatCode>
-                <c:ptCount val="15"/>
+            <c:strRef>
+              <c:f>NHANES!$A$27:$A$31</c:f>
+              <c:strCache>
+                <c:ptCount val="5"/>
                 <c:pt idx="0">
-                  <c:v>2006</c:v>
+                  <c:v>2001–2004</c:v>
                 </c:pt>
                 <c:pt idx="1">
-                  <c:v>2007</c:v>
+                  <c:v>2005–2008</c:v>
                 </c:pt>
                 <c:pt idx="2">
-                  <c:v>2008</c:v>
+                  <c:v>2009–2012</c:v>
                 </c:pt>
                 <c:pt idx="3">
-                  <c:v>2009</c:v>
+                  <c:v>2013–2016</c:v>
                 </c:pt>
                 <c:pt idx="4">
-                  <c:v>2010</c:v>
-                </c:pt>
-                <c:pt idx="5">
-                  <c:v>2011</c:v>
-                </c:pt>
-                <c:pt idx="6">
-                  <c:v>2012</c:v>
-                </c:pt>
-                <c:pt idx="7">
-                  <c:v>2013</c:v>
-                </c:pt>
-                <c:pt idx="8">
-                  <c:v>2014</c:v>
-                </c:pt>
-                <c:pt idx="9">
-                  <c:v>2015</c:v>
-                </c:pt>
-                <c:pt idx="10">
-                  <c:v>2016</c:v>
-                </c:pt>
-                <c:pt idx="11">
-                  <c:v>2017</c:v>
-                </c:pt>
-                <c:pt idx="12">
-                  <c:v>2018</c:v>
-                </c:pt>
-                <c:pt idx="13">
-                  <c:v>2019</c:v>
-                </c:pt>
-                <c:pt idx="14">
-                  <c:v>2020</c:v>
-                </c:pt>
-              </c:numCache>
-            </c:numRef>
+                  <c:v>2017–2020</c:v>
+                </c:pt>
+              </c:strCache>
+            </c:strRef>
           </c:cat>
           <c:val>
             <c:numRef>
-              <c:f>Optum!$E$2:$E$16</c:f>
+              <c:f>NHANES!$E$27:$E$31</c:f>
               <c:numCache>
                 <c:formatCode>0.0</c:formatCode>
-                <c:ptCount val="15"/>
+                <c:ptCount val="5"/>
                 <c:pt idx="0">
-                  <c:v>14.219474497681608</c:v>
+                  <c:v>10.6</c:v>
                 </c:pt>
                 <c:pt idx="1">
-                  <c:v>13.24381253291206</c:v>
+                  <c:v>7.6</c:v>
                 </c:pt>
                 <c:pt idx="2">
-                  <c:v>15.115693498369954</c:v>
+                  <c:v>6.3</c:v>
                 </c:pt>
                 <c:pt idx="3">
-                  <c:v>16.029212964489432</c:v>
+                  <c:v>7.6</c:v>
                 </c:pt>
                 <c:pt idx="4">
-                  <c:v>16.217536126624758</c:v>
-                </c:pt>
-                <c:pt idx="5">
-                  <c:v>16.861571394592879</c:v>
-                </c:pt>
-                <c:pt idx="6">
-                  <c:v>16.587643035483371</c:v>
-                </c:pt>
-                <c:pt idx="7">
-                  <c:v>16.714020111029644</c:v>
-                </c:pt>
-                <c:pt idx="8">
-                  <c:v>16.133496505895945</c:v>
-                </c:pt>
-                <c:pt idx="9">
-                  <c:v>14.752467505386807</c:v>
-                </c:pt>
-                <c:pt idx="10">
-                  <c:v>15.085539896570713</c:v>
-                </c:pt>
-                <c:pt idx="11">
-                  <c:v>15.095876327659603</c:v>
-                </c:pt>
-                <c:pt idx="12">
-                  <c:v>14.86445483935054</c:v>
-                </c:pt>
-                <c:pt idx="13">
-                  <c:v>16.288376118861795</c:v>
-                </c:pt>
-                <c:pt idx="14">
-                  <c:v>16.276220396662815</c:v>
+                  <c:v>5.4</c:v>
                 </c:pt>
               </c:numCache>
             </c:numRef>
@@ -1412,7 +1180,7 @@
           <c:smooth val="0"/>
           <c:extLst>
             <c:ext xmlns:c16="http://schemas.microsoft.com/office/drawing/2014/chart" uri="{C3380CC4-5D6E-409C-BE32-E72D297353CC}">
-              <c16:uniqueId val="{00000003-5106-4045-88C7-0F97B0AE4488}"/>
+              <c16:uniqueId val="{00000003-C178-4CD2-831C-2D51D1A92728}"/>
             </c:ext>
           </c:extLst>
         </c:ser>
@@ -1426,11 +1194,11 @@
         </c:dLbls>
         <c:marker val="1"/>
         <c:smooth val="0"/>
-        <c:axId val="773368800"/>
-        <c:axId val="773369216"/>
+        <c:axId val="2004775856"/>
+        <c:axId val="2004775440"/>
       </c:lineChart>
       <c:catAx>
-        <c:axId val="773368800"/>
+        <c:axId val="2004775856"/>
         <c:scaling>
           <c:orientation val="minMax"/>
         </c:scaling>
@@ -1454,13 +1222,13 @@
           <a:effectLst/>
         </c:spPr>
         <c:txPr>
-          <a:bodyPr rot="600000" spcFirstLastPara="1" vertOverflow="ellipsis" wrap="square" anchor="ctr" anchorCtr="1"/>
+          <a:bodyPr rot="-60000000" spcFirstLastPara="1" vertOverflow="ellipsis" vert="horz" wrap="square" anchor="ctr" anchorCtr="1"/>
           <a:lstStyle/>
           <a:p>
             <a:pPr>
               <a:defRPr sz="2300" b="0" i="0" u="none" strike="noStrike" kern="1200" baseline="0">
                 <a:solidFill>
-                  <a:schemeClr val="tx1"/>
+                  <a:sysClr val="windowText" lastClr="000000"/>
                 </a:solidFill>
                 <a:latin typeface="+mn-lt"/>
                 <a:ea typeface="+mn-ea"/>
@@ -1470,7 +1238,7 @@
             <a:endParaRPr lang="en-US"/>
           </a:p>
         </c:txPr>
-        <c:crossAx val="773369216"/>
+        <c:crossAx val="2004775440"/>
         <c:crosses val="autoZero"/>
         <c:auto val="1"/>
         <c:lblAlgn val="ctr"/>
@@ -1478,7 +1246,890 @@
         <c:noMultiLvlLbl val="0"/>
       </c:catAx>
       <c:valAx>
-        <c:axId val="773369216"/>
+        <c:axId val="2004775440"/>
+        <c:scaling>
+          <c:orientation val="minMax"/>
+          <c:max val="18"/>
+        </c:scaling>
+        <c:delete val="0"/>
+        <c:axPos val="l"/>
+        <c:majorGridlines>
+          <c:spPr>
+            <a:ln w="9525" cap="flat" cmpd="sng" algn="ctr">
+              <a:solidFill>
+                <a:schemeClr val="tx1">
+                  <a:lumMod val="15000"/>
+                  <a:lumOff val="85000"/>
+                </a:schemeClr>
+              </a:solidFill>
+              <a:round/>
+            </a:ln>
+            <a:effectLst/>
+          </c:spPr>
+        </c:majorGridlines>
+        <c:title>
+          <c:tx>
+            <c:rich>
+              <a:bodyPr rot="-5400000" spcFirstLastPara="1" vertOverflow="ellipsis" vert="horz" wrap="square" anchor="ctr" anchorCtr="1"/>
+              <a:lstStyle/>
+              <a:p>
+                <a:pPr>
+                  <a:defRPr sz="2400" b="0" i="0" u="none" strike="noStrike" kern="1200" baseline="0">
+                    <a:solidFill>
+                      <a:sysClr val="windowText" lastClr="000000"/>
+                    </a:solidFill>
+                    <a:latin typeface="+mn-lt"/>
+                    <a:ea typeface="+mn-ea"/>
+                    <a:cs typeface="+mn-cs"/>
+                  </a:defRPr>
+                </a:pPr>
+                <a:r>
+                  <a:rPr lang="en-US" sz="2400">
+                    <a:solidFill>
+                      <a:sysClr val="windowText" lastClr="000000"/>
+                    </a:solidFill>
+                  </a:rPr>
+                  <a:t>NSAID</a:t>
+                </a:r>
+                <a:r>
+                  <a:rPr lang="en-US" sz="2400" baseline="0">
+                    <a:solidFill>
+                      <a:sysClr val="windowText" lastClr="000000"/>
+                    </a:solidFill>
+                  </a:rPr>
+                  <a:t> use (%)</a:t>
+                </a:r>
+                <a:endParaRPr lang="en-US" sz="2400">
+                  <a:solidFill>
+                    <a:sysClr val="windowText" lastClr="000000"/>
+                  </a:solidFill>
+                </a:endParaRPr>
+              </a:p>
+            </c:rich>
+          </c:tx>
+          <c:layout>
+            <c:manualLayout>
+              <c:xMode val="edge"/>
+              <c:yMode val="edge"/>
+              <c:x val="0"/>
+              <c:y val="0.21998040355800294"/>
+            </c:manualLayout>
+          </c:layout>
+          <c:overlay val="0"/>
+          <c:spPr>
+            <a:noFill/>
+            <a:ln>
+              <a:noFill/>
+            </a:ln>
+            <a:effectLst/>
+          </c:spPr>
+          <c:txPr>
+            <a:bodyPr rot="-5400000" spcFirstLastPara="1" vertOverflow="ellipsis" vert="horz" wrap="square" anchor="ctr" anchorCtr="1"/>
+            <a:lstStyle/>
+            <a:p>
+              <a:pPr>
+                <a:defRPr sz="2400" b="0" i="0" u="none" strike="noStrike" kern="1200" baseline="0">
+                  <a:solidFill>
+                    <a:sysClr val="windowText" lastClr="000000"/>
+                  </a:solidFill>
+                  <a:latin typeface="+mn-lt"/>
+                  <a:ea typeface="+mn-ea"/>
+                  <a:cs typeface="+mn-cs"/>
+                </a:defRPr>
+              </a:pPr>
+              <a:endParaRPr lang="en-US"/>
+            </a:p>
+          </c:txPr>
+        </c:title>
+        <c:numFmt formatCode="0" sourceLinked="0"/>
+        <c:majorTickMark val="none"/>
+        <c:minorTickMark val="none"/>
+        <c:tickLblPos val="nextTo"/>
+        <c:spPr>
+          <a:noFill/>
+          <a:ln>
+            <a:noFill/>
+          </a:ln>
+          <a:effectLst/>
+        </c:spPr>
+        <c:txPr>
+          <a:bodyPr rot="-60000000" spcFirstLastPara="1" vertOverflow="ellipsis" vert="horz" wrap="square" anchor="ctr" anchorCtr="1"/>
+          <a:lstStyle/>
+          <a:p>
+            <a:pPr>
+              <a:defRPr sz="2300" b="0" i="0" u="none" strike="noStrike" kern="1200" baseline="0">
+                <a:solidFill>
+                  <a:sysClr val="windowText" lastClr="000000"/>
+                </a:solidFill>
+                <a:latin typeface="+mn-lt"/>
+                <a:ea typeface="+mn-ea"/>
+                <a:cs typeface="+mn-cs"/>
+              </a:defRPr>
+            </a:pPr>
+            <a:endParaRPr lang="en-US"/>
+          </a:p>
+        </c:txPr>
+        <c:crossAx val="2004775856"/>
+        <c:crosses val="autoZero"/>
+        <c:crossBetween val="between"/>
+      </c:valAx>
+      <c:spPr>
+        <a:noFill/>
+        <a:ln>
+          <a:noFill/>
+        </a:ln>
+        <a:effectLst/>
+      </c:spPr>
+    </c:plotArea>
+    <c:legend>
+      <c:legendPos val="b"/>
+      <c:layout>
+        <c:manualLayout>
+          <c:xMode val="edge"/>
+          <c:yMode val="edge"/>
+          <c:x val="0.15802371702950435"/>
+          <c:y val="0.92073936349101648"/>
+          <c:w val="0.77561924012625005"/>
+          <c:h val="7.926063650898349E-2"/>
+        </c:manualLayout>
+      </c:layout>
+      <c:overlay val="0"/>
+      <c:spPr>
+        <a:noFill/>
+        <a:ln>
+          <a:noFill/>
+        </a:ln>
+        <a:effectLst/>
+      </c:spPr>
+      <c:txPr>
+        <a:bodyPr rot="0" spcFirstLastPara="1" vertOverflow="ellipsis" vert="horz" wrap="square" anchor="ctr" anchorCtr="1"/>
+        <a:lstStyle/>
+        <a:p>
+          <a:pPr>
+            <a:defRPr sz="2200" b="0" i="0" u="none" strike="noStrike" kern="1200" baseline="0">
+              <a:solidFill>
+                <a:sysClr val="windowText" lastClr="000000"/>
+              </a:solidFill>
+              <a:latin typeface="+mn-lt"/>
+              <a:ea typeface="+mn-ea"/>
+              <a:cs typeface="+mn-cs"/>
+            </a:defRPr>
+          </a:pPr>
+          <a:endParaRPr lang="en-US"/>
+        </a:p>
+      </c:txPr>
+    </c:legend>
+    <c:plotVisOnly val="1"/>
+    <c:dispBlanksAs val="gap"/>
+    <c:extLst>
+      <c:ext xmlns:c16r3="http://schemas.microsoft.com/office/drawing/2017/03/chart" uri="{56B9EC1D-385E-4148-901F-78D8002777C0}">
+        <c16r3:dataDisplayOptions16>
+          <c16r3:dispNaAsBlank val="1"/>
+        </c16r3:dataDisplayOptions16>
+      </c:ext>
+    </c:extLst>
+    <c:showDLblsOverMax val="0"/>
+  </c:chart>
+  <c:spPr>
+    <a:solidFill>
+      <a:schemeClr val="bg1"/>
+    </a:solidFill>
+    <a:ln w="9525" cap="flat" cmpd="sng" algn="ctr">
+      <a:noFill/>
+      <a:round/>
+    </a:ln>
+    <a:effectLst/>
+  </c:spPr>
+  <c:txPr>
+    <a:bodyPr/>
+    <a:lstStyle/>
+    <a:p>
+      <a:pPr>
+        <a:defRPr/>
+      </a:pPr>
+      <a:endParaRPr lang="en-US"/>
+    </a:p>
+  </c:txPr>
+  <c:externalData r:id="rId3">
+    <c:autoUpdate val="0"/>
+  </c:externalData>
+</c:chartSpace>
+</file>
+
+<file path=ppt/charts/chart3.xml><?xml version="1.0" encoding="utf-8"?>
+<c:chartSpace xmlns:c="http://schemas.openxmlformats.org/drawingml/2006/chart" xmlns:a="http://schemas.openxmlformats.org/drawingml/2006/main" xmlns:r="http://schemas.openxmlformats.org/officeDocument/2006/relationships" xmlns:c16r2="http://schemas.microsoft.com/office/drawing/2015/06/chart">
+  <c:date1904 val="0"/>
+  <c:lang val="en-US"/>
+  <c:roundedCorners val="0"/>
+  <mc:AlternateContent xmlns:mc="http://schemas.openxmlformats.org/markup-compatibility/2006">
+    <mc:Choice xmlns:c14="http://schemas.microsoft.com/office/drawing/2007/8/2/chart" Requires="c14">
+      <c14:style val="102"/>
+    </mc:Choice>
+    <mc:Fallback>
+      <c:style val="2"/>
+    </mc:Fallback>
+  </mc:AlternateContent>
+  <c:clrMapOvr bg1="lt1" tx1="dk1" bg2="lt2" tx2="dk2" accent1="accent1" accent2="accent2" accent3="accent3" accent4="accent4" accent5="accent5" accent6="accent6" hlink="hlink" folHlink="folHlink"/>
+  <c:chart>
+    <c:autoTitleDeleted val="0"/>
+    <c:plotArea>
+      <c:layout>
+        <c:manualLayout>
+          <c:layoutTarget val="inner"/>
+          <c:xMode val="edge"/>
+          <c:yMode val="edge"/>
+          <c:x val="9.2537959627047417E-2"/>
+          <c:y val="5.0789067302082651E-2"/>
+          <c:w val="0.89860681319882407"/>
+          <c:h val="0.76167451798058594"/>
+        </c:manualLayout>
+      </c:layout>
+      <c:lineChart>
+        <c:grouping val="standard"/>
+        <c:varyColors val="0"/>
+        <c:ser>
+          <c:idx val="0"/>
+          <c:order val="0"/>
+          <c:tx>
+            <c:v>All Stages</c:v>
+          </c:tx>
+          <c:spPr>
+            <a:ln w="44450" cap="rnd">
+              <a:solidFill>
+                <a:schemeClr val="accent1"/>
+              </a:solidFill>
+              <a:round/>
+            </a:ln>
+            <a:effectLst/>
+          </c:spPr>
+          <c:marker>
+            <c:symbol val="circle"/>
+            <c:size val="5"/>
+            <c:spPr>
+              <a:solidFill>
+                <a:schemeClr val="accent1"/>
+              </a:solidFill>
+              <a:ln w="44450">
+                <a:solidFill>
+                  <a:schemeClr val="accent1"/>
+                </a:solidFill>
+              </a:ln>
+              <a:effectLst/>
+            </c:spPr>
+          </c:marker>
+          <c:cat>
+            <c:numRef>
+              <c:f>'[Chart in Microsoft Word]Q700 by CKD stage'!$C$47:$C$61</c:f>
+              <c:numCache>
+                <c:formatCode>General</c:formatCode>
+                <c:ptCount val="15"/>
+                <c:pt idx="0">
+                  <c:v>2006</c:v>
+                </c:pt>
+                <c:pt idx="1">
+                  <c:v>2007</c:v>
+                </c:pt>
+                <c:pt idx="2">
+                  <c:v>2008</c:v>
+                </c:pt>
+                <c:pt idx="3">
+                  <c:v>2009</c:v>
+                </c:pt>
+                <c:pt idx="4">
+                  <c:v>2010</c:v>
+                </c:pt>
+                <c:pt idx="5">
+                  <c:v>2011</c:v>
+                </c:pt>
+                <c:pt idx="6">
+                  <c:v>2012</c:v>
+                </c:pt>
+                <c:pt idx="7">
+                  <c:v>2013</c:v>
+                </c:pt>
+                <c:pt idx="8">
+                  <c:v>2014</c:v>
+                </c:pt>
+                <c:pt idx="9">
+                  <c:v>2015</c:v>
+                </c:pt>
+                <c:pt idx="10">
+                  <c:v>2016</c:v>
+                </c:pt>
+                <c:pt idx="11">
+                  <c:v>2017</c:v>
+                </c:pt>
+                <c:pt idx="12">
+                  <c:v>2018</c:v>
+                </c:pt>
+                <c:pt idx="13">
+                  <c:v>2019</c:v>
+                </c:pt>
+                <c:pt idx="14">
+                  <c:v>2020</c:v>
+                </c:pt>
+              </c:numCache>
+            </c:numRef>
+          </c:cat>
+          <c:val>
+            <c:numRef>
+              <c:f>'[Chart in Microsoft Word]Q700 by CKD stage'!$B$2:$B$16</c:f>
+              <c:numCache>
+                <c:formatCode>General</c:formatCode>
+                <c:ptCount val="15"/>
+                <c:pt idx="0">
+                  <c:v>14.219474497681608</c:v>
+                </c:pt>
+                <c:pt idx="1">
+                  <c:v>13.24381253291206</c:v>
+                </c:pt>
+                <c:pt idx="2">
+                  <c:v>15.115693498369954</c:v>
+                </c:pt>
+                <c:pt idx="3">
+                  <c:v>16.029212964489432</c:v>
+                </c:pt>
+                <c:pt idx="4">
+                  <c:v>16.217536126624758</c:v>
+                </c:pt>
+                <c:pt idx="5">
+                  <c:v>16.861571394592879</c:v>
+                </c:pt>
+                <c:pt idx="6">
+                  <c:v>16.587643035483371</c:v>
+                </c:pt>
+                <c:pt idx="7">
+                  <c:v>16.714020111029644</c:v>
+                </c:pt>
+                <c:pt idx="8">
+                  <c:v>16.133496505895945</c:v>
+                </c:pt>
+                <c:pt idx="9">
+                  <c:v>14.752467505386807</c:v>
+                </c:pt>
+                <c:pt idx="10">
+                  <c:v>15.085539896570713</c:v>
+                </c:pt>
+                <c:pt idx="11">
+                  <c:v>15.095876327659603</c:v>
+                </c:pt>
+                <c:pt idx="12">
+                  <c:v>14.86445483935054</c:v>
+                </c:pt>
+                <c:pt idx="13">
+                  <c:v>16.288376118861795</c:v>
+                </c:pt>
+                <c:pt idx="14">
+                  <c:v>16.276220396662815</c:v>
+                </c:pt>
+              </c:numCache>
+            </c:numRef>
+          </c:val>
+          <c:smooth val="0"/>
+          <c:extLst>
+            <c:ext xmlns:c16="http://schemas.microsoft.com/office/drawing/2014/chart" uri="{C3380CC4-5D6E-409C-BE32-E72D297353CC}">
+              <c16:uniqueId val="{00000000-C0FD-4859-807C-08C2B7508F65}"/>
+            </c:ext>
+          </c:extLst>
+        </c:ser>
+        <c:ser>
+          <c:idx val="1"/>
+          <c:order val="1"/>
+          <c:tx>
+            <c:v>CKD Stage 1-2</c:v>
+          </c:tx>
+          <c:spPr>
+            <a:ln w="44450" cap="rnd">
+              <a:solidFill>
+                <a:schemeClr val="accent2"/>
+              </a:solidFill>
+              <a:round/>
+            </a:ln>
+            <a:effectLst/>
+          </c:spPr>
+          <c:marker>
+            <c:symbol val="circle"/>
+            <c:size val="5"/>
+            <c:spPr>
+              <a:solidFill>
+                <a:schemeClr val="accent2"/>
+              </a:solidFill>
+              <a:ln w="44450">
+                <a:solidFill>
+                  <a:schemeClr val="accent2"/>
+                </a:solidFill>
+              </a:ln>
+              <a:effectLst/>
+            </c:spPr>
+          </c:marker>
+          <c:cat>
+            <c:numRef>
+              <c:f>'[Chart in Microsoft Word]Q700 by CKD stage'!$C$47:$C$61</c:f>
+              <c:numCache>
+                <c:formatCode>General</c:formatCode>
+                <c:ptCount val="15"/>
+                <c:pt idx="0">
+                  <c:v>2006</c:v>
+                </c:pt>
+                <c:pt idx="1">
+                  <c:v>2007</c:v>
+                </c:pt>
+                <c:pt idx="2">
+                  <c:v>2008</c:v>
+                </c:pt>
+                <c:pt idx="3">
+                  <c:v>2009</c:v>
+                </c:pt>
+                <c:pt idx="4">
+                  <c:v>2010</c:v>
+                </c:pt>
+                <c:pt idx="5">
+                  <c:v>2011</c:v>
+                </c:pt>
+                <c:pt idx="6">
+                  <c:v>2012</c:v>
+                </c:pt>
+                <c:pt idx="7">
+                  <c:v>2013</c:v>
+                </c:pt>
+                <c:pt idx="8">
+                  <c:v>2014</c:v>
+                </c:pt>
+                <c:pt idx="9">
+                  <c:v>2015</c:v>
+                </c:pt>
+                <c:pt idx="10">
+                  <c:v>2016</c:v>
+                </c:pt>
+                <c:pt idx="11">
+                  <c:v>2017</c:v>
+                </c:pt>
+                <c:pt idx="12">
+                  <c:v>2018</c:v>
+                </c:pt>
+                <c:pt idx="13">
+                  <c:v>2019</c:v>
+                </c:pt>
+                <c:pt idx="14">
+                  <c:v>2020</c:v>
+                </c:pt>
+              </c:numCache>
+            </c:numRef>
+          </c:cat>
+          <c:val>
+            <c:numRef>
+              <c:f>'[Chart in Microsoft Word]Q700 by CKD stage'!$B$17:$B$31</c:f>
+              <c:numCache>
+                <c:formatCode>General</c:formatCode>
+                <c:ptCount val="15"/>
+                <c:pt idx="0">
+                  <c:v>16.848182653195117</c:v>
+                </c:pt>
+                <c:pt idx="1">
+                  <c:v>15.652003142183817</c:v>
+                </c:pt>
+                <c:pt idx="2">
+                  <c:v>17.609543817527012</c:v>
+                </c:pt>
+                <c:pt idx="3">
+                  <c:v>17.824578790882061</c:v>
+                </c:pt>
+                <c:pt idx="4">
+                  <c:v>18.078825594383279</c:v>
+                </c:pt>
+                <c:pt idx="5">
+                  <c:v>19.269614287088398</c:v>
+                </c:pt>
+                <c:pt idx="6">
+                  <c:v>19.346817401112563</c:v>
+                </c:pt>
+                <c:pt idx="7">
+                  <c:v>19.510063063250566</c:v>
+                </c:pt>
+                <c:pt idx="8">
+                  <c:v>19.089878415888034</c:v>
+                </c:pt>
+                <c:pt idx="9">
+                  <c:v>18.122293642588513</c:v>
+                </c:pt>
+                <c:pt idx="10">
+                  <c:v>18.676528427216709</c:v>
+                </c:pt>
+                <c:pt idx="11">
+                  <c:v>18.699167562831082</c:v>
+                </c:pt>
+                <c:pt idx="12">
+                  <c:v>18.5487161353498</c:v>
+                </c:pt>
+                <c:pt idx="13">
+                  <c:v>19.902780570306678</c:v>
+                </c:pt>
+                <c:pt idx="14">
+                  <c:v>19.630232465250039</c:v>
+                </c:pt>
+              </c:numCache>
+            </c:numRef>
+          </c:val>
+          <c:smooth val="0"/>
+          <c:extLst>
+            <c:ext xmlns:c16="http://schemas.microsoft.com/office/drawing/2014/chart" uri="{C3380CC4-5D6E-409C-BE32-E72D297353CC}">
+              <c16:uniqueId val="{00000001-C0FD-4859-807C-08C2B7508F65}"/>
+            </c:ext>
+          </c:extLst>
+        </c:ser>
+        <c:ser>
+          <c:idx val="2"/>
+          <c:order val="2"/>
+          <c:tx>
+            <c:v>CKD Stage 3-5</c:v>
+          </c:tx>
+          <c:spPr>
+            <a:ln w="44450" cap="rnd">
+              <a:solidFill>
+                <a:schemeClr val="accent3"/>
+              </a:solidFill>
+              <a:round/>
+            </a:ln>
+            <a:effectLst/>
+          </c:spPr>
+          <c:marker>
+            <c:symbol val="circle"/>
+            <c:size val="5"/>
+            <c:spPr>
+              <a:solidFill>
+                <a:schemeClr val="accent3"/>
+              </a:solidFill>
+              <a:ln w="44450">
+                <a:solidFill>
+                  <a:schemeClr val="accent3"/>
+                </a:solidFill>
+              </a:ln>
+              <a:effectLst/>
+            </c:spPr>
+          </c:marker>
+          <c:cat>
+            <c:numRef>
+              <c:f>'[Chart in Microsoft Word]Q700 by CKD stage'!$C$47:$C$61</c:f>
+              <c:numCache>
+                <c:formatCode>General</c:formatCode>
+                <c:ptCount val="15"/>
+                <c:pt idx="0">
+                  <c:v>2006</c:v>
+                </c:pt>
+                <c:pt idx="1">
+                  <c:v>2007</c:v>
+                </c:pt>
+                <c:pt idx="2">
+                  <c:v>2008</c:v>
+                </c:pt>
+                <c:pt idx="3">
+                  <c:v>2009</c:v>
+                </c:pt>
+                <c:pt idx="4">
+                  <c:v>2010</c:v>
+                </c:pt>
+                <c:pt idx="5">
+                  <c:v>2011</c:v>
+                </c:pt>
+                <c:pt idx="6">
+                  <c:v>2012</c:v>
+                </c:pt>
+                <c:pt idx="7">
+                  <c:v>2013</c:v>
+                </c:pt>
+                <c:pt idx="8">
+                  <c:v>2014</c:v>
+                </c:pt>
+                <c:pt idx="9">
+                  <c:v>2015</c:v>
+                </c:pt>
+                <c:pt idx="10">
+                  <c:v>2016</c:v>
+                </c:pt>
+                <c:pt idx="11">
+                  <c:v>2017</c:v>
+                </c:pt>
+                <c:pt idx="12">
+                  <c:v>2018</c:v>
+                </c:pt>
+                <c:pt idx="13">
+                  <c:v>2019</c:v>
+                </c:pt>
+                <c:pt idx="14">
+                  <c:v>2020</c:v>
+                </c:pt>
+              </c:numCache>
+            </c:numRef>
+          </c:cat>
+          <c:val>
+            <c:numRef>
+              <c:f>'[Chart in Microsoft Word]Q700 by CKD stage'!$B$32:$B$46</c:f>
+              <c:numCache>
+                <c:formatCode>General</c:formatCode>
+                <c:ptCount val="15"/>
+                <c:pt idx="0">
+                  <c:v>12.520145898719145</c:v>
+                </c:pt>
+                <c:pt idx="1">
+                  <c:v>11.748567247896599</c:v>
+                </c:pt>
+                <c:pt idx="2">
+                  <c:v>13.75353469120118</c:v>
+                </c:pt>
+                <c:pt idx="3">
+                  <c:v>15.134146944018973</c:v>
+                </c:pt>
+                <c:pt idx="4">
+                  <c:v>15.365942690271947</c:v>
+                </c:pt>
+                <c:pt idx="5">
+                  <c:v>15.784264505486624</c:v>
+                </c:pt>
+                <c:pt idx="6">
+                  <c:v>15.305539011316259</c:v>
+                </c:pt>
+                <c:pt idx="7">
+                  <c:v>15.430972732916288</c:v>
+                </c:pt>
+                <c:pt idx="8">
+                  <c:v>14.910919261486727</c:v>
+                </c:pt>
+                <c:pt idx="9">
+                  <c:v>13.376485919327505</c:v>
+                </c:pt>
+                <c:pt idx="10">
+                  <c:v>13.677998980819712</c:v>
+                </c:pt>
+                <c:pt idx="11">
+                  <c:v>13.699103895061233</c:v>
+                </c:pt>
+                <c:pt idx="12">
+                  <c:v>13.532070608950555</c:v>
+                </c:pt>
+                <c:pt idx="13">
+                  <c:v>15.101232975690101</c:v>
+                </c:pt>
+                <c:pt idx="14">
+                  <c:v>14.98127268626593</c:v>
+                </c:pt>
+              </c:numCache>
+            </c:numRef>
+          </c:val>
+          <c:smooth val="0"/>
+          <c:extLst>
+            <c:ext xmlns:c16="http://schemas.microsoft.com/office/drawing/2014/chart" uri="{C3380CC4-5D6E-409C-BE32-E72D297353CC}">
+              <c16:uniqueId val="{00000002-C0FD-4859-807C-08C2B7508F65}"/>
+            </c:ext>
+          </c:extLst>
+        </c:ser>
+        <c:ser>
+          <c:idx val="3"/>
+          <c:order val="3"/>
+          <c:tx>
+            <c:v>No-CKD</c:v>
+          </c:tx>
+          <c:spPr>
+            <a:ln w="44450" cap="rnd">
+              <a:solidFill>
+                <a:schemeClr val="accent4"/>
+              </a:solidFill>
+              <a:round/>
+            </a:ln>
+            <a:effectLst/>
+          </c:spPr>
+          <c:marker>
+            <c:symbol val="circle"/>
+            <c:size val="5"/>
+            <c:spPr>
+              <a:solidFill>
+                <a:schemeClr val="accent4"/>
+              </a:solidFill>
+              <a:ln w="44450">
+                <a:solidFill>
+                  <a:schemeClr val="accent4"/>
+                </a:solidFill>
+              </a:ln>
+              <a:effectLst/>
+            </c:spPr>
+          </c:marker>
+          <c:cat>
+            <c:numRef>
+              <c:f>'[Chart in Microsoft Word]Q700 by CKD stage'!$C$47:$C$61</c:f>
+              <c:numCache>
+                <c:formatCode>General</c:formatCode>
+                <c:ptCount val="15"/>
+                <c:pt idx="0">
+                  <c:v>2006</c:v>
+                </c:pt>
+                <c:pt idx="1">
+                  <c:v>2007</c:v>
+                </c:pt>
+                <c:pt idx="2">
+                  <c:v>2008</c:v>
+                </c:pt>
+                <c:pt idx="3">
+                  <c:v>2009</c:v>
+                </c:pt>
+                <c:pt idx="4">
+                  <c:v>2010</c:v>
+                </c:pt>
+                <c:pt idx="5">
+                  <c:v>2011</c:v>
+                </c:pt>
+                <c:pt idx="6">
+                  <c:v>2012</c:v>
+                </c:pt>
+                <c:pt idx="7">
+                  <c:v>2013</c:v>
+                </c:pt>
+                <c:pt idx="8">
+                  <c:v>2014</c:v>
+                </c:pt>
+                <c:pt idx="9">
+                  <c:v>2015</c:v>
+                </c:pt>
+                <c:pt idx="10">
+                  <c:v>2016</c:v>
+                </c:pt>
+                <c:pt idx="11">
+                  <c:v>2017</c:v>
+                </c:pt>
+                <c:pt idx="12">
+                  <c:v>2018</c:v>
+                </c:pt>
+                <c:pt idx="13">
+                  <c:v>2019</c:v>
+                </c:pt>
+                <c:pt idx="14">
+                  <c:v>2020</c:v>
+                </c:pt>
+              </c:numCache>
+            </c:numRef>
+          </c:cat>
+          <c:val>
+            <c:numRef>
+              <c:f>'[Chart in Microsoft Word]Q700 by CKD stage'!$B$47:$B$61</c:f>
+              <c:numCache>
+                <c:formatCode>General</c:formatCode>
+                <c:ptCount val="15"/>
+                <c:pt idx="0">
+                  <c:v>11.548576197142829</c:v>
+                </c:pt>
+                <c:pt idx="1">
+                  <c:v>11.532717363924524</c:v>
+                </c:pt>
+                <c:pt idx="2">
+                  <c:v>12.021041064970543</c:v>
+                </c:pt>
+                <c:pt idx="3">
+                  <c:v>12.457094536271644</c:v>
+                </c:pt>
+                <c:pt idx="4">
+                  <c:v>12.503468013298662</c:v>
+                </c:pt>
+                <c:pt idx="5">
+                  <c:v>12.853714180895725</c:v>
+                </c:pt>
+                <c:pt idx="6">
+                  <c:v>12.994996959970136</c:v>
+                </c:pt>
+                <c:pt idx="7">
+                  <c:v>12.812670137895584</c:v>
+                </c:pt>
+                <c:pt idx="8">
+                  <c:v>12.469869898220516</c:v>
+                </c:pt>
+                <c:pt idx="9">
+                  <c:v>11.960486582881005</c:v>
+                </c:pt>
+                <c:pt idx="10">
+                  <c:v>12.217892989082371</c:v>
+                </c:pt>
+                <c:pt idx="11">
+                  <c:v>12.737352877383364</c:v>
+                </c:pt>
+                <c:pt idx="12">
+                  <c:v>12.810472784675699</c:v>
+                </c:pt>
+                <c:pt idx="13">
+                  <c:v>13.203258031145038</c:v>
+                </c:pt>
+                <c:pt idx="14">
+                  <c:v>12.587225964277076</c:v>
+                </c:pt>
+              </c:numCache>
+            </c:numRef>
+          </c:val>
+          <c:smooth val="0"/>
+          <c:extLst>
+            <c:ext xmlns:c16="http://schemas.microsoft.com/office/drawing/2014/chart" uri="{C3380CC4-5D6E-409C-BE32-E72D297353CC}">
+              <c16:uniqueId val="{00000003-C0FD-4859-807C-08C2B7508F65}"/>
+            </c:ext>
+          </c:extLst>
+        </c:ser>
+        <c:dLbls>
+          <c:showLegendKey val="0"/>
+          <c:showVal val="0"/>
+          <c:showCatName val="0"/>
+          <c:showSerName val="0"/>
+          <c:showPercent val="0"/>
+          <c:showBubbleSize val="0"/>
+        </c:dLbls>
+        <c:marker val="1"/>
+        <c:smooth val="0"/>
+        <c:axId val="1783241935"/>
+        <c:axId val="1980280287"/>
+      </c:lineChart>
+      <c:catAx>
+        <c:axId val="1783241935"/>
+        <c:scaling>
+          <c:orientation val="minMax"/>
+        </c:scaling>
+        <c:delete val="0"/>
+        <c:axPos val="b"/>
+        <c:numFmt formatCode="General" sourceLinked="1"/>
+        <c:majorTickMark val="none"/>
+        <c:minorTickMark val="none"/>
+        <c:tickLblPos val="nextTo"/>
+        <c:spPr>
+          <a:noFill/>
+          <a:ln w="9525" cap="flat" cmpd="sng" algn="ctr">
+            <a:solidFill>
+              <a:schemeClr val="tx1">
+                <a:lumMod val="15000"/>
+                <a:lumOff val="85000"/>
+              </a:schemeClr>
+            </a:solidFill>
+            <a:round/>
+          </a:ln>
+          <a:effectLst/>
+        </c:spPr>
+        <c:txPr>
+          <a:bodyPr rot="0" spcFirstLastPara="1" vertOverflow="ellipsis" wrap="square" anchor="ctr" anchorCtr="1"/>
+          <a:lstStyle/>
+          <a:p>
+            <a:pPr>
+              <a:defRPr sz="2000" b="0" i="0" u="none" strike="noStrike" kern="1200" baseline="0">
+                <a:solidFill>
+                  <a:sysClr val="windowText" lastClr="000000"/>
+                </a:solidFill>
+                <a:latin typeface="+mn-lt"/>
+                <a:ea typeface="+mn-ea"/>
+                <a:cs typeface="+mn-cs"/>
+              </a:defRPr>
+            </a:pPr>
+            <a:endParaRPr lang="en-US"/>
+          </a:p>
+        </c:txPr>
+        <c:crossAx val="1980280287"/>
+        <c:crosses val="autoZero"/>
+        <c:auto val="0"/>
+        <c:lblAlgn val="ctr"/>
+        <c:lblOffset val="100"/>
+        <c:noMultiLvlLbl val="0"/>
+      </c:catAx>
+      <c:valAx>
+        <c:axId val="1980280287"/>
         <c:scaling>
           <c:orientation val="minMax"/>
           <c:max val="20"/>
@@ -1506,9 +2157,9 @@
               <a:lstStyle/>
               <a:p>
                 <a:pPr>
-                  <a:defRPr sz="2800" b="0" i="0" u="none" strike="noStrike" kern="1200" baseline="0">
+                  <a:defRPr sz="2400" b="0" i="0" u="none" strike="noStrike" kern="1200" baseline="0">
                     <a:solidFill>
-                      <a:schemeClr val="tx1"/>
+                      <a:sysClr val="windowText" lastClr="000000"/>
                     </a:solidFill>
                     <a:latin typeface="+mn-lt"/>
                     <a:ea typeface="+mn-ea"/>
@@ -1516,26 +2167,13 @@
                   </a:defRPr>
                 </a:pPr>
                 <a:r>
-                  <a:rPr lang="en-US" sz="2800" dirty="0">
+                  <a:rPr lang="en-US" sz="2400" dirty="0">
                     <a:solidFill>
-                      <a:schemeClr val="tx1"/>
+                      <a:sysClr val="windowText" lastClr="000000"/>
                     </a:solidFill>
                   </a:rPr>
-                  <a:t>NSAID</a:t>
+                  <a:t> NSAID use (%)</a:t>
                 </a:r>
-                <a:r>
-                  <a:rPr lang="en-US" sz="2800" baseline="0" dirty="0">
-                    <a:solidFill>
-                      <a:schemeClr val="tx1"/>
-                    </a:solidFill>
-                  </a:rPr>
-                  <a:t> use (%)</a:t>
-                </a:r>
-                <a:endParaRPr lang="en-US" sz="2800" dirty="0">
-                  <a:solidFill>
-                    <a:schemeClr val="tx1"/>
-                  </a:solidFill>
-                </a:endParaRPr>
               </a:p>
             </c:rich>
           </c:tx>
@@ -1544,7 +2182,7 @@
               <c:xMode val="edge"/>
               <c:yMode val="edge"/>
               <c:x val="0"/>
-              <c:y val="0.1774290335851397"/>
+              <c:y val="0.19500017586725052"/>
             </c:manualLayout>
           </c:layout>
           <c:overlay val="0"/>
@@ -1560,9 +2198,9 @@
             <a:lstStyle/>
             <a:p>
               <a:pPr>
-                <a:defRPr sz="2800" b="0" i="0" u="none" strike="noStrike" kern="1200" baseline="0">
+                <a:defRPr sz="2400" b="0" i="0" u="none" strike="noStrike" kern="1200" baseline="0">
                   <a:solidFill>
-                    <a:schemeClr val="tx1"/>
+                    <a:sysClr val="windowText" lastClr="000000"/>
                   </a:solidFill>
                   <a:latin typeface="+mn-lt"/>
                   <a:ea typeface="+mn-ea"/>
@@ -1573,7 +2211,7 @@
             </a:p>
           </c:txPr>
         </c:title>
-        <c:numFmt formatCode="0" sourceLinked="0"/>
+        <c:numFmt formatCode="General" sourceLinked="1"/>
         <c:majorTickMark val="none"/>
         <c:minorTickMark val="none"/>
         <c:tickLblPos val="nextTo"/>
@@ -1589,9 +2227,9 @@
           <a:lstStyle/>
           <a:p>
             <a:pPr>
-              <a:defRPr sz="2400" b="0" i="0" u="none" strike="noStrike" kern="1200" baseline="0">
+              <a:defRPr sz="2300" b="0" i="0" u="none" strike="noStrike" kern="1200" baseline="0">
                 <a:solidFill>
-                  <a:schemeClr val="tx1"/>
+                  <a:sysClr val="windowText" lastClr="000000"/>
                 </a:solidFill>
                 <a:latin typeface="+mn-lt"/>
                 <a:ea typeface="+mn-ea"/>
@@ -1601,7 +2239,7 @@
             <a:endParaRPr lang="en-US"/>
           </a:p>
         </c:txPr>
-        <c:crossAx val="773368800"/>
+        <c:crossAx val="1783241935"/>
         <c:crosses val="autoZero"/>
         <c:crossBetween val="between"/>
         <c:majorUnit val="5"/>
@@ -1615,15 +2253,15 @@
       </c:spPr>
     </c:plotArea>
     <c:legend>
-      <c:legendPos val="b"/>
+      <c:legendPos val="r"/>
       <c:layout>
         <c:manualLayout>
           <c:xMode val="edge"/>
           <c:yMode val="edge"/>
-          <c:x val="0.1186504493619636"/>
-          <c:y val="0.90818291877025281"/>
-          <c:w val="0.85565513106350666"/>
-          <c:h val="9.181708122974723E-2"/>
+          <c:x val="0.13569783464566931"/>
+          <c:y val="0.92171064847572171"/>
+          <c:w val="0.79942953610040013"/>
+          <c:h val="7.8289305215287319E-2"/>
         </c:manualLayout>
       </c:layout>
       <c:overlay val="0"/>
@@ -1639,9 +2277,9 @@
         <a:lstStyle/>
         <a:p>
           <a:pPr>
-            <a:defRPr sz="2400" b="0" i="0" u="none" strike="noStrike" kern="1200" baseline="0">
+            <a:defRPr sz="2000" b="0" i="0" u="none" strike="noStrike" kern="1200" baseline="0">
               <a:solidFill>
-                <a:schemeClr val="tx1"/>
+                <a:sysClr val="windowText" lastClr="000000"/>
               </a:solidFill>
               <a:latin typeface="+mn-lt"/>
               <a:ea typeface="+mn-ea"/>
@@ -1664,9 +2302,12 @@
     <c:showDLblsOverMax val="0"/>
   </c:chart>
   <c:spPr>
-    <a:noFill/>
-    <a:ln>
+    <a:solidFill>
+      <a:schemeClr val="bg1"/>
+    </a:solidFill>
+    <a:ln w="9525" cap="flat" cmpd="sng" algn="ctr">
       <a:noFill/>
+      <a:round/>
     </a:ln>
     <a:effectLst/>
   </c:spPr>
@@ -1680,7 +2321,7 @@
       <a:endParaRPr lang="en-US"/>
     </a:p>
   </c:txPr>
-  <c:externalData r:id="rId3">
+  <c:externalData r:id="rId4">
     <c:autoUpdate val="0"/>
   </c:externalData>
 </c:chartSpace>
@@ -1766,6 +2407,46 @@
 </cs:colorStyle>
 </file>
 
+<file path=ppt/charts/colors3.xml><?xml version="1.0" encoding="utf-8"?>
+<cs:colorStyle xmlns:cs="http://schemas.microsoft.com/office/drawing/2012/chartStyle" xmlns:a="http://schemas.openxmlformats.org/drawingml/2006/main" meth="cycle" id="10">
+  <a:schemeClr val="accent1"/>
+  <a:schemeClr val="accent2"/>
+  <a:schemeClr val="accent3"/>
+  <a:schemeClr val="accent4"/>
+  <a:schemeClr val="accent5"/>
+  <a:schemeClr val="accent6"/>
+  <cs:variation/>
+  <cs:variation>
+    <a:lumMod val="60000"/>
+  </cs:variation>
+  <cs:variation>
+    <a:lumMod val="80000"/>
+    <a:lumOff val="20000"/>
+  </cs:variation>
+  <cs:variation>
+    <a:lumMod val="80000"/>
+  </cs:variation>
+  <cs:variation>
+    <a:lumMod val="60000"/>
+    <a:lumOff val="40000"/>
+  </cs:variation>
+  <cs:variation>
+    <a:lumMod val="50000"/>
+  </cs:variation>
+  <cs:variation>
+    <a:lumMod val="70000"/>
+    <a:lumOff val="30000"/>
+  </cs:variation>
+  <cs:variation>
+    <a:lumMod val="70000"/>
+  </cs:variation>
+  <cs:variation>
+    <a:lumMod val="50000"/>
+    <a:lumOff val="50000"/>
+  </cs:variation>
+</cs:colorStyle>
+</file>
+
 <file path=ppt/charts/style1.xml><?xml version="1.0" encoding="utf-8"?>
 <cs:chartStyle xmlns:cs="http://schemas.microsoft.com/office/drawing/2012/chartStyle" xmlns:a="http://schemas.openxmlformats.org/drawingml/2006/main" id="332">
   <cs:axisTitle>
@@ -2270,6 +2951,509 @@
 </file>
 
 <file path=ppt/charts/style2.xml><?xml version="1.0" encoding="utf-8"?>
+<cs:chartStyle xmlns:cs="http://schemas.microsoft.com/office/drawing/2012/chartStyle" xmlns:a="http://schemas.openxmlformats.org/drawingml/2006/main" id="332">
+  <cs:axisTitle>
+    <cs:lnRef idx="0"/>
+    <cs:fillRef idx="0"/>
+    <cs:effectRef idx="0"/>
+    <cs:fontRef idx="minor">
+      <a:schemeClr val="tx1">
+        <a:lumMod val="65000"/>
+        <a:lumOff val="35000"/>
+      </a:schemeClr>
+    </cs:fontRef>
+    <cs:defRPr sz="1000" kern="1200"/>
+  </cs:axisTitle>
+  <cs:categoryAxis>
+    <cs:lnRef idx="0"/>
+    <cs:fillRef idx="0"/>
+    <cs:effectRef idx="0"/>
+    <cs:fontRef idx="minor">
+      <a:schemeClr val="tx1">
+        <a:lumMod val="65000"/>
+        <a:lumOff val="35000"/>
+      </a:schemeClr>
+    </cs:fontRef>
+    <cs:spPr>
+      <a:ln w="9525" cap="flat" cmpd="sng" algn="ctr">
+        <a:solidFill>
+          <a:schemeClr val="tx1">
+            <a:lumMod val="15000"/>
+            <a:lumOff val="85000"/>
+          </a:schemeClr>
+        </a:solidFill>
+        <a:round/>
+      </a:ln>
+    </cs:spPr>
+    <cs:defRPr sz="900" kern="1200"/>
+  </cs:categoryAxis>
+  <cs:chartArea mods="allowNoFillOverride allowNoLineOverride">
+    <cs:lnRef idx="0"/>
+    <cs:fillRef idx="0"/>
+    <cs:effectRef idx="0"/>
+    <cs:fontRef idx="minor">
+      <a:schemeClr val="tx1"/>
+    </cs:fontRef>
+    <cs:spPr>
+      <a:solidFill>
+        <a:schemeClr val="bg1"/>
+      </a:solidFill>
+      <a:ln w="9525" cap="flat" cmpd="sng" algn="ctr">
+        <a:solidFill>
+          <a:schemeClr val="tx1">
+            <a:lumMod val="15000"/>
+            <a:lumOff val="85000"/>
+          </a:schemeClr>
+        </a:solidFill>
+        <a:round/>
+      </a:ln>
+    </cs:spPr>
+    <cs:defRPr sz="1000" kern="1200"/>
+  </cs:chartArea>
+  <cs:dataLabel>
+    <cs:lnRef idx="0"/>
+    <cs:fillRef idx="0"/>
+    <cs:effectRef idx="0"/>
+    <cs:fontRef idx="minor">
+      <a:schemeClr val="tx1">
+        <a:lumMod val="75000"/>
+        <a:lumOff val="25000"/>
+      </a:schemeClr>
+    </cs:fontRef>
+    <cs:defRPr sz="900" kern="1200"/>
+  </cs:dataLabel>
+  <cs:dataLabelCallout>
+    <cs:lnRef idx="0"/>
+    <cs:fillRef idx="0"/>
+    <cs:effectRef idx="0"/>
+    <cs:fontRef idx="minor">
+      <a:schemeClr val="dk1">
+        <a:lumMod val="65000"/>
+        <a:lumOff val="35000"/>
+      </a:schemeClr>
+    </cs:fontRef>
+    <cs:spPr>
+      <a:solidFill>
+        <a:schemeClr val="lt1"/>
+      </a:solidFill>
+      <a:ln>
+        <a:solidFill>
+          <a:schemeClr val="dk1">
+            <a:lumMod val="25000"/>
+            <a:lumOff val="75000"/>
+          </a:schemeClr>
+        </a:solidFill>
+      </a:ln>
+    </cs:spPr>
+    <cs:defRPr sz="900" kern="1200"/>
+    <cs:bodyPr rot="0" spcFirstLastPara="1" vertOverflow="clip" horzOverflow="clip" vert="horz" wrap="square" lIns="36576" tIns="18288" rIns="36576" bIns="18288" anchor="ctr" anchorCtr="1">
+      <a:spAutoFit/>
+    </cs:bodyPr>
+  </cs:dataLabelCallout>
+  <cs:dataPoint>
+    <cs:lnRef idx="0"/>
+    <cs:fillRef idx="1">
+      <cs:styleClr val="auto"/>
+    </cs:fillRef>
+    <cs:effectRef idx="0"/>
+    <cs:fontRef idx="minor">
+      <a:schemeClr val="tx1"/>
+    </cs:fontRef>
+  </cs:dataPoint>
+  <cs:dataPoint3D>
+    <cs:lnRef idx="0"/>
+    <cs:fillRef idx="1">
+      <cs:styleClr val="auto"/>
+    </cs:fillRef>
+    <cs:effectRef idx="0"/>
+    <cs:fontRef idx="minor">
+      <a:schemeClr val="tx1"/>
+    </cs:fontRef>
+  </cs:dataPoint3D>
+  <cs:dataPointLine>
+    <cs:lnRef idx="0">
+      <cs:styleClr val="auto"/>
+    </cs:lnRef>
+    <cs:fillRef idx="1"/>
+    <cs:effectRef idx="0"/>
+    <cs:fontRef idx="minor">
+      <a:schemeClr val="tx1"/>
+    </cs:fontRef>
+    <cs:spPr>
+      <a:ln w="28575" cap="rnd">
+        <a:solidFill>
+          <a:schemeClr val="phClr"/>
+        </a:solidFill>
+        <a:round/>
+      </a:ln>
+    </cs:spPr>
+  </cs:dataPointLine>
+  <cs:dataPointMarker>
+    <cs:lnRef idx="0">
+      <cs:styleClr val="auto"/>
+    </cs:lnRef>
+    <cs:fillRef idx="1">
+      <cs:styleClr val="auto"/>
+    </cs:fillRef>
+    <cs:effectRef idx="0"/>
+    <cs:fontRef idx="minor">
+      <a:schemeClr val="tx1"/>
+    </cs:fontRef>
+    <cs:spPr>
+      <a:ln w="9525">
+        <a:solidFill>
+          <a:schemeClr val="phClr"/>
+        </a:solidFill>
+      </a:ln>
+    </cs:spPr>
+  </cs:dataPointMarker>
+  <cs:dataPointMarkerLayout symbol="circle" size="5"/>
+  <cs:dataPointWireframe>
+    <cs:lnRef idx="0">
+      <cs:styleClr val="auto"/>
+    </cs:lnRef>
+    <cs:fillRef idx="1"/>
+    <cs:effectRef idx="0"/>
+    <cs:fontRef idx="minor">
+      <a:schemeClr val="tx1"/>
+    </cs:fontRef>
+    <cs:spPr>
+      <a:ln w="9525" cap="rnd">
+        <a:solidFill>
+          <a:schemeClr val="phClr"/>
+        </a:solidFill>
+        <a:round/>
+      </a:ln>
+    </cs:spPr>
+  </cs:dataPointWireframe>
+  <cs:dataTable>
+    <cs:lnRef idx="0"/>
+    <cs:fillRef idx="0"/>
+    <cs:effectRef idx="0"/>
+    <cs:fontRef idx="minor">
+      <a:schemeClr val="tx1">
+        <a:lumMod val="65000"/>
+        <a:lumOff val="35000"/>
+      </a:schemeClr>
+    </cs:fontRef>
+    <cs:spPr>
+      <a:noFill/>
+      <a:ln w="9525" cap="flat" cmpd="sng" algn="ctr">
+        <a:solidFill>
+          <a:schemeClr val="tx1">
+            <a:lumMod val="15000"/>
+            <a:lumOff val="85000"/>
+          </a:schemeClr>
+        </a:solidFill>
+        <a:round/>
+      </a:ln>
+    </cs:spPr>
+    <cs:defRPr sz="900" kern="1200"/>
+  </cs:dataTable>
+  <cs:downBar>
+    <cs:lnRef idx="0"/>
+    <cs:fillRef idx="0"/>
+    <cs:effectRef idx="0"/>
+    <cs:fontRef idx="minor">
+      <a:schemeClr val="dk1"/>
+    </cs:fontRef>
+    <cs:spPr>
+      <a:solidFill>
+        <a:schemeClr val="dk1">
+          <a:lumMod val="65000"/>
+          <a:lumOff val="35000"/>
+        </a:schemeClr>
+      </a:solidFill>
+      <a:ln w="9525">
+        <a:solidFill>
+          <a:schemeClr val="tx1">
+            <a:lumMod val="65000"/>
+            <a:lumOff val="35000"/>
+          </a:schemeClr>
+        </a:solidFill>
+      </a:ln>
+    </cs:spPr>
+  </cs:downBar>
+  <cs:dropLine>
+    <cs:lnRef idx="0"/>
+    <cs:fillRef idx="0"/>
+    <cs:effectRef idx="0"/>
+    <cs:fontRef idx="minor">
+      <a:schemeClr val="tx1"/>
+    </cs:fontRef>
+    <cs:spPr>
+      <a:ln w="9525" cap="flat" cmpd="sng" algn="ctr">
+        <a:solidFill>
+          <a:schemeClr val="tx1">
+            <a:lumMod val="35000"/>
+            <a:lumOff val="65000"/>
+          </a:schemeClr>
+        </a:solidFill>
+        <a:round/>
+      </a:ln>
+    </cs:spPr>
+  </cs:dropLine>
+  <cs:errorBar>
+    <cs:lnRef idx="0"/>
+    <cs:fillRef idx="0"/>
+    <cs:effectRef idx="0"/>
+    <cs:fontRef idx="minor">
+      <a:schemeClr val="tx1"/>
+    </cs:fontRef>
+    <cs:spPr>
+      <a:ln w="9525" cap="flat" cmpd="sng" algn="ctr">
+        <a:solidFill>
+          <a:schemeClr val="tx1">
+            <a:lumMod val="65000"/>
+            <a:lumOff val="35000"/>
+          </a:schemeClr>
+        </a:solidFill>
+        <a:round/>
+      </a:ln>
+    </cs:spPr>
+  </cs:errorBar>
+  <cs:floor>
+    <cs:lnRef idx="0"/>
+    <cs:fillRef idx="0"/>
+    <cs:effectRef idx="0"/>
+    <cs:fontRef idx="minor">
+      <a:schemeClr val="tx1"/>
+    </cs:fontRef>
+    <cs:spPr>
+      <a:noFill/>
+      <a:ln>
+        <a:noFill/>
+      </a:ln>
+    </cs:spPr>
+  </cs:floor>
+  <cs:gridlineMajor>
+    <cs:lnRef idx="0"/>
+    <cs:fillRef idx="0"/>
+    <cs:effectRef idx="0"/>
+    <cs:fontRef idx="minor">
+      <a:schemeClr val="tx1"/>
+    </cs:fontRef>
+    <cs:spPr>
+      <a:ln w="9525" cap="flat" cmpd="sng" algn="ctr">
+        <a:solidFill>
+          <a:schemeClr val="tx1">
+            <a:lumMod val="15000"/>
+            <a:lumOff val="85000"/>
+          </a:schemeClr>
+        </a:solidFill>
+        <a:round/>
+      </a:ln>
+    </cs:spPr>
+  </cs:gridlineMajor>
+  <cs:gridlineMinor>
+    <cs:lnRef idx="0"/>
+    <cs:fillRef idx="0"/>
+    <cs:effectRef idx="0"/>
+    <cs:fontRef idx="minor">
+      <a:schemeClr val="tx1"/>
+    </cs:fontRef>
+    <cs:spPr>
+      <a:ln w="9525" cap="flat" cmpd="sng" algn="ctr">
+        <a:solidFill>
+          <a:schemeClr val="tx1">
+            <a:lumMod val="5000"/>
+            <a:lumOff val="95000"/>
+          </a:schemeClr>
+        </a:solidFill>
+        <a:round/>
+      </a:ln>
+    </cs:spPr>
+  </cs:gridlineMinor>
+  <cs:hiLoLine>
+    <cs:lnRef idx="0"/>
+    <cs:fillRef idx="0"/>
+    <cs:effectRef idx="0"/>
+    <cs:fontRef idx="minor">
+      <a:schemeClr val="tx1"/>
+    </cs:fontRef>
+    <cs:spPr>
+      <a:ln w="9525" cap="flat" cmpd="sng" algn="ctr">
+        <a:solidFill>
+          <a:schemeClr val="tx1">
+            <a:lumMod val="75000"/>
+            <a:lumOff val="25000"/>
+          </a:schemeClr>
+        </a:solidFill>
+        <a:round/>
+      </a:ln>
+    </cs:spPr>
+  </cs:hiLoLine>
+  <cs:leaderLine>
+    <cs:lnRef idx="0"/>
+    <cs:fillRef idx="0"/>
+    <cs:effectRef idx="0"/>
+    <cs:fontRef idx="minor">
+      <a:schemeClr val="tx1"/>
+    </cs:fontRef>
+    <cs:spPr>
+      <a:ln w="9525" cap="flat" cmpd="sng" algn="ctr">
+        <a:solidFill>
+          <a:schemeClr val="tx1">
+            <a:lumMod val="35000"/>
+            <a:lumOff val="65000"/>
+          </a:schemeClr>
+        </a:solidFill>
+        <a:round/>
+      </a:ln>
+    </cs:spPr>
+  </cs:leaderLine>
+  <cs:legend>
+    <cs:lnRef idx="0"/>
+    <cs:fillRef idx="0"/>
+    <cs:effectRef idx="0"/>
+    <cs:fontRef idx="minor">
+      <a:schemeClr val="tx1">
+        <a:lumMod val="65000"/>
+        <a:lumOff val="35000"/>
+      </a:schemeClr>
+    </cs:fontRef>
+    <cs:defRPr sz="900" kern="1200"/>
+  </cs:legend>
+  <cs:plotArea mods="allowNoFillOverride allowNoLineOverride">
+    <cs:lnRef idx="0"/>
+    <cs:fillRef idx="0"/>
+    <cs:effectRef idx="0"/>
+    <cs:fontRef idx="minor">
+      <a:schemeClr val="tx1"/>
+    </cs:fontRef>
+  </cs:plotArea>
+  <cs:plotArea3D mods="allowNoFillOverride allowNoLineOverride">
+    <cs:lnRef idx="0"/>
+    <cs:fillRef idx="0"/>
+    <cs:effectRef idx="0"/>
+    <cs:fontRef idx="minor">
+      <a:schemeClr val="tx1"/>
+    </cs:fontRef>
+  </cs:plotArea3D>
+  <cs:seriesAxis>
+    <cs:lnRef idx="0"/>
+    <cs:fillRef idx="0"/>
+    <cs:effectRef idx="0"/>
+    <cs:fontRef idx="minor">
+      <a:schemeClr val="tx1">
+        <a:lumMod val="65000"/>
+        <a:lumOff val="35000"/>
+      </a:schemeClr>
+    </cs:fontRef>
+    <cs:defRPr sz="900" kern="1200"/>
+  </cs:seriesAxis>
+  <cs:seriesLine>
+    <cs:lnRef idx="0"/>
+    <cs:fillRef idx="0"/>
+    <cs:effectRef idx="0"/>
+    <cs:fontRef idx="minor">
+      <a:schemeClr val="tx1"/>
+    </cs:fontRef>
+    <cs:spPr>
+      <a:ln w="9525" cap="flat" cmpd="sng" algn="ctr">
+        <a:solidFill>
+          <a:schemeClr val="tx1">
+            <a:lumMod val="35000"/>
+            <a:lumOff val="65000"/>
+          </a:schemeClr>
+        </a:solidFill>
+        <a:round/>
+      </a:ln>
+    </cs:spPr>
+  </cs:seriesLine>
+  <cs:title>
+    <cs:lnRef idx="0"/>
+    <cs:fillRef idx="0"/>
+    <cs:effectRef idx="0"/>
+    <cs:fontRef idx="minor">
+      <a:schemeClr val="tx1">
+        <a:lumMod val="65000"/>
+        <a:lumOff val="35000"/>
+      </a:schemeClr>
+    </cs:fontRef>
+    <cs:defRPr sz="1400" b="0" kern="1200" spc="0" baseline="0"/>
+  </cs:title>
+  <cs:trendline>
+    <cs:lnRef idx="0">
+      <cs:styleClr val="auto"/>
+    </cs:lnRef>
+    <cs:fillRef idx="0"/>
+    <cs:effectRef idx="0"/>
+    <cs:fontRef idx="minor">
+      <a:schemeClr val="tx1"/>
+    </cs:fontRef>
+    <cs:spPr>
+      <a:ln w="19050" cap="rnd">
+        <a:solidFill>
+          <a:schemeClr val="phClr"/>
+        </a:solidFill>
+        <a:prstDash val="sysDot"/>
+      </a:ln>
+    </cs:spPr>
+  </cs:trendline>
+  <cs:trendlineLabel>
+    <cs:lnRef idx="0"/>
+    <cs:fillRef idx="0"/>
+    <cs:effectRef idx="0"/>
+    <cs:fontRef idx="minor">
+      <a:schemeClr val="tx1">
+        <a:lumMod val="65000"/>
+        <a:lumOff val="35000"/>
+      </a:schemeClr>
+    </cs:fontRef>
+    <cs:defRPr sz="900" kern="1200"/>
+  </cs:trendlineLabel>
+  <cs:upBar>
+    <cs:lnRef idx="0"/>
+    <cs:fillRef idx="0"/>
+    <cs:effectRef idx="0"/>
+    <cs:fontRef idx="minor">
+      <a:schemeClr val="dk1"/>
+    </cs:fontRef>
+    <cs:spPr>
+      <a:solidFill>
+        <a:schemeClr val="lt1"/>
+      </a:solidFill>
+      <a:ln w="9525">
+        <a:solidFill>
+          <a:schemeClr val="tx1">
+            <a:lumMod val="15000"/>
+            <a:lumOff val="85000"/>
+          </a:schemeClr>
+        </a:solidFill>
+      </a:ln>
+    </cs:spPr>
+  </cs:upBar>
+  <cs:valueAxis>
+    <cs:lnRef idx="0"/>
+    <cs:fillRef idx="0"/>
+    <cs:effectRef idx="0"/>
+    <cs:fontRef idx="minor">
+      <a:schemeClr val="tx1">
+        <a:lumMod val="65000"/>
+        <a:lumOff val="35000"/>
+      </a:schemeClr>
+    </cs:fontRef>
+    <cs:defRPr sz="900" kern="1200"/>
+  </cs:valueAxis>
+  <cs:wall>
+    <cs:lnRef idx="0"/>
+    <cs:fillRef idx="0"/>
+    <cs:effectRef idx="0"/>
+    <cs:fontRef idx="minor">
+      <a:schemeClr val="tx1"/>
+    </cs:fontRef>
+    <cs:spPr>
+      <a:noFill/>
+      <a:ln>
+        <a:noFill/>
+      </a:ln>
+    </cs:spPr>
+  </cs:wall>
+</cs:chartStyle>
+</file>
+
+<file path=ppt/charts/style3.xml><?xml version="1.0" encoding="utf-8"?>
 <cs:chartStyle xmlns:cs="http://schemas.microsoft.com/office/drawing/2012/chartStyle" xmlns:a="http://schemas.openxmlformats.org/drawingml/2006/main" id="332">
   <cs:axisTitle>
     <cs:lnRef idx="0"/>
@@ -2901,7 +4085,7 @@
           <a:p>
             <a:fld id="{FEC8F623-83FF-45D9-9165-1796CF17F145}" type="datetimeFigureOut">
               <a:rPr lang="en-US" smtClean="0"/>
-              <a:t>10/19/2023</a:t>
+              <a:t>8/6/2024</a:t>
             </a:fld>
             <a:endParaRPr lang="en-US"/>
           </a:p>
@@ -3069,7 +4253,7 @@
           <a:p>
             <a:fld id="{FEC8F623-83FF-45D9-9165-1796CF17F145}" type="datetimeFigureOut">
               <a:rPr lang="en-US" smtClean="0"/>
-              <a:t>10/19/2023</a:t>
+              <a:t>8/6/2024</a:t>
             </a:fld>
             <a:endParaRPr lang="en-US"/>
           </a:p>
@@ -3247,7 +4431,7 @@
           <a:p>
             <a:fld id="{FEC8F623-83FF-45D9-9165-1796CF17F145}" type="datetimeFigureOut">
               <a:rPr lang="en-US" smtClean="0"/>
-              <a:t>10/19/2023</a:t>
+              <a:t>8/6/2024</a:t>
             </a:fld>
             <a:endParaRPr lang="en-US"/>
           </a:p>
@@ -3415,7 +4599,7 @@
           <a:p>
             <a:fld id="{FEC8F623-83FF-45D9-9165-1796CF17F145}" type="datetimeFigureOut">
               <a:rPr lang="en-US" smtClean="0"/>
-              <a:t>10/19/2023</a:t>
+              <a:t>8/6/2024</a:t>
             </a:fld>
             <a:endParaRPr lang="en-US"/>
           </a:p>
@@ -3695,7 +4879,7 @@
           <a:p>
             <a:fld id="{FEC8F623-83FF-45D9-9165-1796CF17F145}" type="datetimeFigureOut">
               <a:rPr lang="en-US" smtClean="0"/>
-              <a:t>10/19/2023</a:t>
+              <a:t>8/6/2024</a:t>
             </a:fld>
             <a:endParaRPr lang="en-US"/>
           </a:p>
@@ -3948,7 +5132,7 @@
           <a:p>
             <a:fld id="{FEC8F623-83FF-45D9-9165-1796CF17F145}" type="datetimeFigureOut">
               <a:rPr lang="en-US" smtClean="0"/>
-              <a:t>10/19/2023</a:t>
+              <a:t>8/6/2024</a:t>
             </a:fld>
             <a:endParaRPr lang="en-US"/>
           </a:p>
@@ -4336,7 +5520,7 @@
           <a:p>
             <a:fld id="{FEC8F623-83FF-45D9-9165-1796CF17F145}" type="datetimeFigureOut">
               <a:rPr lang="en-US" smtClean="0"/>
-              <a:t>10/19/2023</a:t>
+              <a:t>8/6/2024</a:t>
             </a:fld>
             <a:endParaRPr lang="en-US"/>
           </a:p>
@@ -4477,7 +5661,7 @@
           <a:p>
             <a:fld id="{FEC8F623-83FF-45D9-9165-1796CF17F145}" type="datetimeFigureOut">
               <a:rPr lang="en-US" smtClean="0"/>
-              <a:t>10/19/2023</a:t>
+              <a:t>8/6/2024</a:t>
             </a:fld>
             <a:endParaRPr lang="en-US"/>
           </a:p>
@@ -4572,7 +5756,7 @@
           <a:p>
             <a:fld id="{FEC8F623-83FF-45D9-9165-1796CF17F145}" type="datetimeFigureOut">
               <a:rPr lang="en-US" smtClean="0"/>
-              <a:t>10/19/2023</a:t>
+              <a:t>8/6/2024</a:t>
             </a:fld>
             <a:endParaRPr lang="en-US"/>
           </a:p>
@@ -4847,7 +6031,7 @@
           <a:p>
             <a:fld id="{FEC8F623-83FF-45D9-9165-1796CF17F145}" type="datetimeFigureOut">
               <a:rPr lang="en-US" smtClean="0"/>
-              <a:t>10/19/2023</a:t>
+              <a:t>8/6/2024</a:t>
             </a:fld>
             <a:endParaRPr lang="en-US"/>
           </a:p>
@@ -5099,7 +6283,7 @@
           <a:p>
             <a:fld id="{FEC8F623-83FF-45D9-9165-1796CF17F145}" type="datetimeFigureOut">
               <a:rPr lang="en-US" smtClean="0"/>
-              <a:t>10/19/2023</a:t>
+              <a:t>8/6/2024</a:t>
             </a:fld>
             <a:endParaRPr lang="en-US"/>
           </a:p>
@@ -5310,7 +6494,7 @@
           <a:p>
             <a:fld id="{FEC8F623-83FF-45D9-9165-1796CF17F145}" type="datetimeFigureOut">
               <a:rPr lang="en-US" smtClean="0"/>
-              <a:t>10/19/2023</a:t>
+              <a:t>8/6/2024</a:t>
             </a:fld>
             <a:endParaRPr lang="en-US"/>
           </a:p>
@@ -5797,8 +6981,8 @@
         </p:nvSpPr>
         <p:spPr>
           <a:xfrm>
-            <a:off x="1106552" y="3165427"/>
-            <a:ext cx="10243930" cy="3139321"/>
+            <a:off x="546647" y="3020215"/>
+            <a:ext cx="11098691" cy="3693319"/>
           </a:xfrm>
           <a:prstGeom prst="rect">
             <a:avLst/>
@@ -5820,7 +7004,30 @@
                 <a:effectLst/>
                 <a:latin typeface="Open Sans" panose="020B0606030504020204" pitchFamily="34" charset="0"/>
               </a:rPr>
-              <a:t>Prevalence of adults reporting usage of prescribed non-steroidal anti-inflammatory drugs (NSAID) tended to be lower after 2001–2004 in the National Health and Nutrition Examination Survey (NHANES). The use of any NSAID was 9.5% among adults with chronic kidney disease (CKD) stages 3–5, 6.0% in those with CKD stages 1–2, and 5.9% in those without CKD during 2017–March 2020. In contrast, the prevalence of NSAIDs prescriptions has increased slightly among the </a:t>
+              <a:t>Prevalence of adults reporting usage of prescribed non-steroidal anti-inflammatory drugs (NSAID) tended to be lower after 2001–2004. The use of any NSAID was 9.5% among adults with chronic kidney disease (CKD) stages 3–5, 6.0% in those with CKD stages 1–2, and 5.9% in those without CKD during 2017–March 2020. Compared with the crude prevalence, the age-standardized prevalence of NSAID use among adults with stage 3−5 changed greatly except for the 2009–2012 surveys.</a:t>
+            </a:r>
+          </a:p>
+          <a:p>
+            <a:pPr algn="l"/>
+            <a:endParaRPr lang="en-US" b="0" i="0" dirty="0">
+              <a:solidFill>
+                <a:srgbClr val="000000"/>
+              </a:solidFill>
+              <a:effectLst/>
+              <a:latin typeface="Open Sans" panose="020B0606030504020204" pitchFamily="34" charset="0"/>
+            </a:endParaRPr>
+          </a:p>
+          <a:p>
+            <a:pPr algn="l"/>
+            <a:r>
+              <a:rPr lang="en-US" b="0" i="0" dirty="0">
+                <a:solidFill>
+                  <a:srgbClr val="000000"/>
+                </a:solidFill>
+                <a:effectLst/>
+                <a:latin typeface="Open Sans" panose="020B0606030504020204" pitchFamily="34" charset="0"/>
+              </a:rPr>
+              <a:t>In contrast, the prevalence of NSAIDs prescriptions has increased slightly among the </a:t>
             </a:r>
             <a:r>
               <a:rPr lang="en-US" b="0" i="0" dirty="0" err="1">
@@ -5922,7 +7129,7 @@
         </p:nvSpPr>
         <p:spPr>
           <a:xfrm>
-            <a:off x="3584712" y="6120082"/>
+            <a:off x="3584704" y="6489414"/>
             <a:ext cx="5022575" cy="369332"/>
           </a:xfrm>
           <a:prstGeom prst="rect">
@@ -5945,8 +7152,20 @@
                     <a:lumOff val="35000"/>
                   </a:schemeClr>
                 </a:solidFill>
+                <a:hlinkClick r:id="rId3"/>
               </a:rPr>
               <a:t>https://nccd.cdc.gov/CKD/detail.aspx?Qnum=Q700</a:t>
+            </a:r>
+            <a:r>
+              <a:rPr lang="en-US" dirty="0">
+                <a:solidFill>
+                  <a:schemeClr val="tx1">
+                    <a:lumMod val="65000"/>
+                    <a:lumOff val="35000"/>
+                  </a:schemeClr>
+                </a:solidFill>
+              </a:rPr>
+              <a:t>  </a:t>
             </a:r>
           </a:p>
         </p:txBody>
@@ -5993,8 +7212,8 @@
         </p:nvSpPr>
         <p:spPr>
           <a:xfrm>
-            <a:off x="838200" y="215348"/>
-            <a:ext cx="10515600" cy="1325563"/>
+            <a:off x="0" y="59463"/>
+            <a:ext cx="12192000" cy="854938"/>
           </a:xfrm>
         </p:spPr>
         <p:txBody>
@@ -6004,7 +7223,7 @@
             <a:pPr algn="ctr"/>
             <a:r>
               <a:rPr lang="en-US" sz="4400" b="1" dirty="0"/>
-              <a:t>Trends in Prescribed NSAID Usage in NHANES</a:t>
+              <a:t>Crude Trends in Prescribed NSAID Usage in NHANES</a:t>
             </a:r>
             <a:endParaRPr lang="en-US" b="1" dirty="0"/>
           </a:p>
@@ -6012,27 +7231,25 @@
       </p:sp>
       <p:graphicFrame>
         <p:nvGraphicFramePr>
-          <p:cNvPr id="4" name="Chart 3">
+          <p:cNvPr id="5" name="Chart 4">
             <a:extLst>
               <a:ext uri="{FF2B5EF4-FFF2-40B4-BE49-F238E27FC236}">
                 <a16:creationId xmlns:a16="http://schemas.microsoft.com/office/drawing/2014/main" id="{F287C411-1A96-4DF0-AB66-BC96353B8ECB}"/>
               </a:ext>
             </a:extLst>
           </p:cNvPr>
-          <p:cNvGraphicFramePr>
-            <a:graphicFrameLocks/>
-          </p:cNvGraphicFramePr>
+          <p:cNvGraphicFramePr/>
           <p:nvPr>
             <p:extLst>
               <p:ext uri="{D42A27DB-BD31-4B8C-83A1-F6EECF244321}">
-                <p14:modId xmlns:p14="http://schemas.microsoft.com/office/powerpoint/2010/main" val="2891201224"/>
+                <p14:modId xmlns:p14="http://schemas.microsoft.com/office/powerpoint/2010/main" val="302978573"/>
               </p:ext>
             </p:extLst>
           </p:nvPr>
         </p:nvGraphicFramePr>
         <p:xfrm>
-          <a:off x="364435" y="1272209"/>
-          <a:ext cx="11463130" cy="4903304"/>
+          <a:off x="0" y="914401"/>
+          <a:ext cx="12192000" cy="5261112"/>
         </p:xfrm>
         <a:graphic>
           <a:graphicData uri="http://schemas.openxmlformats.org/drawingml/2006/chart">
@@ -6082,18 +7299,108 @@
         </p:nvSpPr>
         <p:spPr>
           <a:xfrm>
-            <a:off x="838200" y="215348"/>
+            <a:off x="-1" y="32959"/>
+            <a:ext cx="12192000" cy="921198"/>
+          </a:xfrm>
+        </p:spPr>
+        <p:txBody>
+          <a:bodyPr>
+            <a:normAutofit/>
+          </a:bodyPr>
+          <a:lstStyle/>
+          <a:p>
+            <a:pPr algn="ctr"/>
+            <a:r>
+              <a:rPr lang="en-US" sz="3800" b="1" dirty="0"/>
+              <a:t>Age-Standardized Trends in Prescribed NSAID Usage in NHANES</a:t>
+            </a:r>
+          </a:p>
+        </p:txBody>
+      </p:sp>
+      <p:graphicFrame>
+        <p:nvGraphicFramePr>
+          <p:cNvPr id="4" name="Chart 3">
+            <a:extLst>
+              <a:ext uri="{FF2B5EF4-FFF2-40B4-BE49-F238E27FC236}">
+                <a16:creationId xmlns:a16="http://schemas.microsoft.com/office/drawing/2014/main" id="{E3DC40D4-D5C4-4BDD-B8C4-FB479A81CCCB}"/>
+              </a:ext>
+            </a:extLst>
+          </p:cNvPr>
+          <p:cNvGraphicFramePr/>
+          <p:nvPr>
+            <p:extLst>
+              <p:ext uri="{D42A27DB-BD31-4B8C-83A1-F6EECF244321}">
+                <p14:modId xmlns:p14="http://schemas.microsoft.com/office/powerpoint/2010/main" val="3705850403"/>
+              </p:ext>
+            </p:extLst>
+          </p:nvPr>
+        </p:nvGraphicFramePr>
+        <p:xfrm>
+          <a:off x="0" y="954157"/>
+          <a:ext cx="12191999" cy="5221356"/>
+        </p:xfrm>
+        <a:graphic>
+          <a:graphicData uri="http://schemas.openxmlformats.org/drawingml/2006/chart">
+            <c:chart xmlns:c="http://schemas.openxmlformats.org/drawingml/2006/chart" xmlns:r="http://schemas.openxmlformats.org/officeDocument/2006/relationships" r:id="rId2"/>
+          </a:graphicData>
+        </a:graphic>
+      </p:graphicFrame>
+    </p:spTree>
+    <p:extLst>
+      <p:ext uri="{BB962C8B-B14F-4D97-AF65-F5344CB8AC3E}">
+        <p14:creationId xmlns:p14="http://schemas.microsoft.com/office/powerpoint/2010/main" val="622215731"/>
+      </p:ext>
+    </p:extLst>
+  </p:cSld>
+  <p:clrMapOvr>
+    <a:masterClrMapping/>
+  </p:clrMapOvr>
+</p:sld>
+</file>
+
+<file path=ppt/slides/slide4.xml><?xml version="1.0" encoding="utf-8"?>
+<p:sld xmlns:a="http://schemas.openxmlformats.org/drawingml/2006/main" xmlns:r="http://schemas.openxmlformats.org/officeDocument/2006/relationships" xmlns:p="http://schemas.openxmlformats.org/presentationml/2006/main">
+  <p:cSld>
+    <p:spTree>
+      <p:nvGrpSpPr>
+        <p:cNvPr id="1" name=""/>
+        <p:cNvGrpSpPr/>
+        <p:nvPr/>
+      </p:nvGrpSpPr>
+      <p:grpSpPr>
+        <a:xfrm>
+          <a:off x="0" y="0"/>
+          <a:ext cx="0" cy="0"/>
+          <a:chOff x="0" y="0"/>
+          <a:chExt cx="0" cy="0"/>
+        </a:xfrm>
+      </p:grpSpPr>
+      <p:sp>
+        <p:nvSpPr>
+          <p:cNvPr id="2" name="Title 1"/>
+          <p:cNvSpPr>
+            <a:spLocks noGrp="1"/>
+          </p:cNvSpPr>
+          <p:nvPr>
+            <p:ph type="title"/>
+          </p:nvPr>
+        </p:nvSpPr>
+        <p:spPr>
+          <a:xfrm>
+            <a:off x="901278" y="0"/>
             <a:ext cx="10515600" cy="1325563"/>
           </a:xfrm>
         </p:spPr>
         <p:txBody>
-          <a:bodyPr/>
+          <a:bodyPr>
+            <a:normAutofit/>
+          </a:bodyPr>
           <a:lstStyle/>
           <a:p>
             <a:pPr algn="ctr"/>
             <a:r>
               <a:rPr lang="en-US" sz="4400" b="1" dirty="0"/>
-              <a:t>Trends in Prescribed NSAID Usage in </a:t>
+              <a:t>Crude Trends in Prescribed NSAID Usage in </a:t>
             </a:r>
             <a:r>
               <a:rPr lang="en-US" sz="4400" b="1" dirty="0" err="1"/>
@@ -6109,27 +7416,25 @@
       </p:sp>
       <p:graphicFrame>
         <p:nvGraphicFramePr>
-          <p:cNvPr id="4" name="Chart 3">
+          <p:cNvPr id="6" name="Chart 5">
             <a:extLst>
               <a:ext uri="{FF2B5EF4-FFF2-40B4-BE49-F238E27FC236}">
-                <a16:creationId xmlns:a16="http://schemas.microsoft.com/office/drawing/2014/main" id="{CAB166B1-EC33-446A-9C6D-56798A6C0485}"/>
+                <a16:creationId xmlns:a16="http://schemas.microsoft.com/office/drawing/2014/main" id="{8B331E90-9F02-44AB-8234-9EB3B25D7393}"/>
               </a:ext>
             </a:extLst>
           </p:cNvPr>
-          <p:cNvGraphicFramePr>
-            <a:graphicFrameLocks/>
-          </p:cNvGraphicFramePr>
+          <p:cNvGraphicFramePr/>
           <p:nvPr>
             <p:extLst>
               <p:ext uri="{D42A27DB-BD31-4B8C-83A1-F6EECF244321}">
-                <p14:modId xmlns:p14="http://schemas.microsoft.com/office/powerpoint/2010/main" val="3079315374"/>
+                <p14:modId xmlns:p14="http://schemas.microsoft.com/office/powerpoint/2010/main" val="908003661"/>
               </p:ext>
             </p:extLst>
           </p:nvPr>
         </p:nvGraphicFramePr>
         <p:xfrm>
-          <a:off x="357808" y="1540910"/>
-          <a:ext cx="11476383" cy="4674359"/>
+          <a:off x="0" y="1205948"/>
+          <a:ext cx="12192000" cy="4890052"/>
         </p:xfrm>
         <a:graphic>
           <a:graphicData uri="http://schemas.openxmlformats.org/drawingml/2006/chart">
@@ -6409,4 +7714,569 @@
     </a:ext>
   </a:extLst>
 </a:theme>
+</file>
+
+<file path=ppt/theme/themeOverride1.xml><?xml version="1.0" encoding="utf-8"?>
+<a:themeOverride xmlns:a="http://schemas.openxmlformats.org/drawingml/2006/main">
+  <a:clrScheme name="Office">
+    <a:dk1>
+      <a:sysClr val="windowText" lastClr="000000"/>
+    </a:dk1>
+    <a:lt1>
+      <a:sysClr val="window" lastClr="FFFFFF"/>
+    </a:lt1>
+    <a:dk2>
+      <a:srgbClr val="1F497D"/>
+    </a:dk2>
+    <a:lt2>
+      <a:srgbClr val="EEECE1"/>
+    </a:lt2>
+    <a:accent1>
+      <a:srgbClr val="4F81BD"/>
+    </a:accent1>
+    <a:accent2>
+      <a:srgbClr val="C0504D"/>
+    </a:accent2>
+    <a:accent3>
+      <a:srgbClr val="9BBB59"/>
+    </a:accent3>
+    <a:accent4>
+      <a:srgbClr val="8064A2"/>
+    </a:accent4>
+    <a:accent5>
+      <a:srgbClr val="4BACC6"/>
+    </a:accent5>
+    <a:accent6>
+      <a:srgbClr val="F79646"/>
+    </a:accent6>
+    <a:hlink>
+      <a:srgbClr val="0000FF"/>
+    </a:hlink>
+    <a:folHlink>
+      <a:srgbClr val="800080"/>
+    </a:folHlink>
+  </a:clrScheme>
+  <a:fontScheme name="Office">
+    <a:majorFont>
+      <a:latin typeface="Cambria"/>
+      <a:ea typeface=""/>
+      <a:cs typeface=""/>
+      <a:font script="Jpan" typeface="ＭＳ Ｐゴシック"/>
+      <a:font script="Hang" typeface="맑은 고딕"/>
+      <a:font script="Hans" typeface="宋体"/>
+      <a:font script="Hant" typeface="新細明體"/>
+      <a:font script="Arab" typeface="Times New Roman"/>
+      <a:font script="Hebr" typeface="Times New Roman"/>
+      <a:font script="Thai" typeface="Tahoma"/>
+      <a:font script="Ethi" typeface="Nyala"/>
+      <a:font script="Beng" typeface="Vrinda"/>
+      <a:font script="Gujr" typeface="Shruti"/>
+      <a:font script="Khmr" typeface="MoolBoran"/>
+      <a:font script="Knda" typeface="Tunga"/>
+      <a:font script="Guru" typeface="Raavi"/>
+      <a:font script="Cans" typeface="Euphemia"/>
+      <a:font script="Cher" typeface="Plantagenet Cherokee"/>
+      <a:font script="Yiii" typeface="Microsoft Yi Baiti"/>
+      <a:font script="Tibt" typeface="Microsoft Himalaya"/>
+      <a:font script="Thaa" typeface="MV Boli"/>
+      <a:font script="Deva" typeface="Mangal"/>
+      <a:font script="Telu" typeface="Gautami"/>
+      <a:font script="Taml" typeface="Latha"/>
+      <a:font script="Syrc" typeface="Estrangelo Edessa"/>
+      <a:font script="Orya" typeface="Kalinga"/>
+      <a:font script="Mlym" typeface="Kartika"/>
+      <a:font script="Laoo" typeface="DokChampa"/>
+      <a:font script="Sinh" typeface="Iskoola Pota"/>
+      <a:font script="Mong" typeface="Mongolian Baiti"/>
+      <a:font script="Viet" typeface="Times New Roman"/>
+      <a:font script="Uigh" typeface="Microsoft Uighur"/>
+    </a:majorFont>
+    <a:minorFont>
+      <a:latin typeface="Calibri"/>
+      <a:ea typeface=""/>
+      <a:cs typeface=""/>
+      <a:font script="Jpan" typeface="ＭＳ Ｐゴシック"/>
+      <a:font script="Hang" typeface="맑은 고딕"/>
+      <a:font script="Hans" typeface="宋体"/>
+      <a:font script="Hant" typeface="新細明體"/>
+      <a:font script="Arab" typeface="Arial"/>
+      <a:font script="Hebr" typeface="Arial"/>
+      <a:font script="Thai" typeface="Tahoma"/>
+      <a:font script="Ethi" typeface="Nyala"/>
+      <a:font script="Beng" typeface="Vrinda"/>
+      <a:font script="Gujr" typeface="Shruti"/>
+      <a:font script="Khmr" typeface="DaunPenh"/>
+      <a:font script="Knda" typeface="Tunga"/>
+      <a:font script="Guru" typeface="Raavi"/>
+      <a:font script="Cans" typeface="Euphemia"/>
+      <a:font script="Cher" typeface="Plantagenet Cherokee"/>
+      <a:font script="Yiii" typeface="Microsoft Yi Baiti"/>
+      <a:font script="Tibt" typeface="Microsoft Himalaya"/>
+      <a:font script="Thaa" typeface="MV Boli"/>
+      <a:font script="Deva" typeface="Mangal"/>
+      <a:font script="Telu" typeface="Gautami"/>
+      <a:font script="Taml" typeface="Latha"/>
+      <a:font script="Syrc" typeface="Estrangelo Edessa"/>
+      <a:font script="Orya" typeface="Kalinga"/>
+      <a:font script="Mlym" typeface="Kartika"/>
+      <a:font script="Laoo" typeface="DokChampa"/>
+      <a:font script="Sinh" typeface="Iskoola Pota"/>
+      <a:font script="Mong" typeface="Mongolian Baiti"/>
+      <a:font script="Viet" typeface="Arial"/>
+      <a:font script="Uigh" typeface="Microsoft Uighur"/>
+    </a:minorFont>
+  </a:fontScheme>
+  <a:fmtScheme name="Office">
+    <a:fillStyleLst>
+      <a:solidFill>
+        <a:schemeClr val="phClr"/>
+      </a:solidFill>
+      <a:gradFill rotWithShape="1">
+        <a:gsLst>
+          <a:gs pos="0">
+            <a:schemeClr val="phClr">
+              <a:tint val="50000"/>
+              <a:satMod val="300000"/>
+            </a:schemeClr>
+          </a:gs>
+          <a:gs pos="35000">
+            <a:schemeClr val="phClr">
+              <a:tint val="37000"/>
+              <a:satMod val="300000"/>
+            </a:schemeClr>
+          </a:gs>
+          <a:gs pos="100000">
+            <a:schemeClr val="phClr">
+              <a:tint val="15000"/>
+              <a:satMod val="350000"/>
+            </a:schemeClr>
+          </a:gs>
+        </a:gsLst>
+        <a:lin ang="16200000" scaled="1"/>
+      </a:gradFill>
+      <a:gradFill rotWithShape="1">
+        <a:gsLst>
+          <a:gs pos="0">
+            <a:schemeClr val="phClr">
+              <a:shade val="51000"/>
+              <a:satMod val="130000"/>
+            </a:schemeClr>
+          </a:gs>
+          <a:gs pos="80000">
+            <a:schemeClr val="phClr">
+              <a:shade val="93000"/>
+              <a:satMod val="130000"/>
+            </a:schemeClr>
+          </a:gs>
+          <a:gs pos="100000">
+            <a:schemeClr val="phClr">
+              <a:shade val="94000"/>
+              <a:satMod val="135000"/>
+            </a:schemeClr>
+          </a:gs>
+        </a:gsLst>
+        <a:lin ang="16200000" scaled="0"/>
+      </a:gradFill>
+    </a:fillStyleLst>
+    <a:lnStyleLst>
+      <a:ln w="9525" cap="flat" cmpd="sng" algn="ctr">
+        <a:solidFill>
+          <a:schemeClr val="phClr">
+            <a:shade val="95000"/>
+            <a:satMod val="105000"/>
+          </a:schemeClr>
+        </a:solidFill>
+        <a:prstDash val="solid"/>
+      </a:ln>
+      <a:ln w="25400" cap="flat" cmpd="sng" algn="ctr">
+        <a:solidFill>
+          <a:schemeClr val="phClr"/>
+        </a:solidFill>
+        <a:prstDash val="solid"/>
+      </a:ln>
+      <a:ln w="38100" cap="flat" cmpd="sng" algn="ctr">
+        <a:solidFill>
+          <a:schemeClr val="phClr"/>
+        </a:solidFill>
+        <a:prstDash val="solid"/>
+      </a:ln>
+    </a:lnStyleLst>
+    <a:effectStyleLst>
+      <a:effectStyle>
+        <a:effectLst>
+          <a:outerShdw blurRad="40000" dist="20000" dir="5400000" rotWithShape="0">
+            <a:srgbClr val="000000">
+              <a:alpha val="38000"/>
+            </a:srgbClr>
+          </a:outerShdw>
+        </a:effectLst>
+      </a:effectStyle>
+      <a:effectStyle>
+        <a:effectLst>
+          <a:outerShdw blurRad="40000" dist="23000" dir="5400000" rotWithShape="0">
+            <a:srgbClr val="000000">
+              <a:alpha val="35000"/>
+            </a:srgbClr>
+          </a:outerShdw>
+        </a:effectLst>
+      </a:effectStyle>
+      <a:effectStyle>
+        <a:effectLst>
+          <a:outerShdw blurRad="40000" dist="23000" dir="5400000" rotWithShape="0">
+            <a:srgbClr val="000000">
+              <a:alpha val="35000"/>
+            </a:srgbClr>
+          </a:outerShdw>
+        </a:effectLst>
+        <a:scene3d>
+          <a:camera prst="orthographicFront">
+            <a:rot lat="0" lon="0" rev="0"/>
+          </a:camera>
+          <a:lightRig rig="threePt" dir="t">
+            <a:rot lat="0" lon="0" rev="1200000"/>
+          </a:lightRig>
+        </a:scene3d>
+        <a:sp3d>
+          <a:bevelT w="63500" h="25400"/>
+        </a:sp3d>
+      </a:effectStyle>
+    </a:effectStyleLst>
+    <a:bgFillStyleLst>
+      <a:solidFill>
+        <a:schemeClr val="phClr"/>
+      </a:solidFill>
+      <a:gradFill rotWithShape="1">
+        <a:gsLst>
+          <a:gs pos="0">
+            <a:schemeClr val="phClr">
+              <a:tint val="40000"/>
+              <a:satMod val="350000"/>
+            </a:schemeClr>
+          </a:gs>
+          <a:gs pos="40000">
+            <a:schemeClr val="phClr">
+              <a:tint val="45000"/>
+              <a:shade val="99000"/>
+              <a:satMod val="350000"/>
+            </a:schemeClr>
+          </a:gs>
+          <a:gs pos="100000">
+            <a:schemeClr val="phClr">
+              <a:shade val="20000"/>
+              <a:satMod val="255000"/>
+            </a:schemeClr>
+          </a:gs>
+        </a:gsLst>
+        <a:path path="circle">
+          <a:fillToRect l="50000" t="-80000" r="50000" b="180000"/>
+        </a:path>
+      </a:gradFill>
+      <a:gradFill rotWithShape="1">
+        <a:gsLst>
+          <a:gs pos="0">
+            <a:schemeClr val="phClr">
+              <a:tint val="80000"/>
+              <a:satMod val="300000"/>
+            </a:schemeClr>
+          </a:gs>
+          <a:gs pos="100000">
+            <a:schemeClr val="phClr">
+              <a:shade val="30000"/>
+              <a:satMod val="200000"/>
+            </a:schemeClr>
+          </a:gs>
+        </a:gsLst>
+        <a:path path="circle">
+          <a:fillToRect l="50000" t="50000" r="50000" b="50000"/>
+        </a:path>
+      </a:gradFill>
+    </a:bgFillStyleLst>
+  </a:fmtScheme>
+</a:themeOverride>
+</file>
+
+<file path=ppt/theme/themeOverride2.xml><?xml version="1.0" encoding="utf-8"?>
+<a:themeOverride xmlns:a="http://schemas.openxmlformats.org/drawingml/2006/main">
+  <a:clrScheme name="Office">
+    <a:dk1>
+      <a:sysClr val="windowText" lastClr="000000"/>
+    </a:dk1>
+    <a:lt1>
+      <a:sysClr val="window" lastClr="FFFFFF"/>
+    </a:lt1>
+    <a:dk2>
+      <a:srgbClr val="44546A"/>
+    </a:dk2>
+    <a:lt2>
+      <a:srgbClr val="E7E6E6"/>
+    </a:lt2>
+    <a:accent1>
+      <a:srgbClr val="4472C4"/>
+    </a:accent1>
+    <a:accent2>
+      <a:srgbClr val="ED7D31"/>
+    </a:accent2>
+    <a:accent3>
+      <a:srgbClr val="A5A5A5"/>
+    </a:accent3>
+    <a:accent4>
+      <a:srgbClr val="FFC000"/>
+    </a:accent4>
+    <a:accent5>
+      <a:srgbClr val="5B9BD5"/>
+    </a:accent5>
+    <a:accent6>
+      <a:srgbClr val="70AD47"/>
+    </a:accent6>
+    <a:hlink>
+      <a:srgbClr val="0563C1"/>
+    </a:hlink>
+    <a:folHlink>
+      <a:srgbClr val="954F72"/>
+    </a:folHlink>
+  </a:clrScheme>
+  <a:fontScheme name="Office">
+    <a:majorFont>
+      <a:latin typeface="Calibri Light" panose="020F0302020204030204"/>
+      <a:ea typeface=""/>
+      <a:cs typeface=""/>
+      <a:font script="Jpan" typeface="游ゴシック Light"/>
+      <a:font script="Hang" typeface="맑은 고딕"/>
+      <a:font script="Hans" typeface="等线 Light"/>
+      <a:font script="Hant" typeface="新細明體"/>
+      <a:font script="Arab" typeface="Times New Roman"/>
+      <a:font script="Hebr" typeface="Times New Roman"/>
+      <a:font script="Thai" typeface="Angsana New"/>
+      <a:font script="Ethi" typeface="Nyala"/>
+      <a:font script="Beng" typeface="Vrinda"/>
+      <a:font script="Gujr" typeface="Shruti"/>
+      <a:font script="Khmr" typeface="MoolBoran"/>
+      <a:font script="Knda" typeface="Tunga"/>
+      <a:font script="Guru" typeface="Raavi"/>
+      <a:font script="Cans" typeface="Euphemia"/>
+      <a:font script="Cher" typeface="Plantagenet Cherokee"/>
+      <a:font script="Yiii" typeface="Microsoft Yi Baiti"/>
+      <a:font script="Tibt" typeface="Microsoft Himalaya"/>
+      <a:font script="Thaa" typeface="MV Boli"/>
+      <a:font script="Deva" typeface="Mangal"/>
+      <a:font script="Telu" typeface="Gautami"/>
+      <a:font script="Taml" typeface="Latha"/>
+      <a:font script="Syrc" typeface="Estrangelo Edessa"/>
+      <a:font script="Orya" typeface="Kalinga"/>
+      <a:font script="Mlym" typeface="Kartika"/>
+      <a:font script="Laoo" typeface="DokChampa"/>
+      <a:font script="Sinh" typeface="Iskoola Pota"/>
+      <a:font script="Mong" typeface="Mongolian Baiti"/>
+      <a:font script="Viet" typeface="Times New Roman"/>
+      <a:font script="Uigh" typeface="Microsoft Uighur"/>
+      <a:font script="Geor" typeface="Sylfaen"/>
+      <a:font script="Armn" typeface="Arial"/>
+      <a:font script="Bugi" typeface="Leelawadee UI"/>
+      <a:font script="Bopo" typeface="Microsoft JhengHei"/>
+      <a:font script="Java" typeface="Javanese Text"/>
+      <a:font script="Lisu" typeface="Segoe UI"/>
+      <a:font script="Mymr" typeface="Myanmar Text"/>
+      <a:font script="Nkoo" typeface="Ebrima"/>
+      <a:font script="Olck" typeface="Nirmala UI"/>
+      <a:font script="Osma" typeface="Ebrima"/>
+      <a:font script="Phag" typeface="Phagspa"/>
+      <a:font script="Syrn" typeface="Estrangelo Edessa"/>
+      <a:font script="Syrj" typeface="Estrangelo Edessa"/>
+      <a:font script="Syre" typeface="Estrangelo Edessa"/>
+      <a:font script="Sora" typeface="Nirmala UI"/>
+      <a:font script="Tale" typeface="Microsoft Tai Le"/>
+      <a:font script="Talu" typeface="Microsoft New Tai Lue"/>
+      <a:font script="Tfng" typeface="Ebrima"/>
+    </a:majorFont>
+    <a:minorFont>
+      <a:latin typeface="Calibri" panose="020F0502020204030204"/>
+      <a:ea typeface=""/>
+      <a:cs typeface=""/>
+      <a:font script="Jpan" typeface="游明朝"/>
+      <a:font script="Hang" typeface="맑은 고딕"/>
+      <a:font script="Hans" typeface="等线"/>
+      <a:font script="Hant" typeface="新細明體"/>
+      <a:font script="Arab" typeface="Arial"/>
+      <a:font script="Hebr" typeface="Arial"/>
+      <a:font script="Thai" typeface="Cordia New"/>
+      <a:font script="Ethi" typeface="Nyala"/>
+      <a:font script="Beng" typeface="Vrinda"/>
+      <a:font script="Gujr" typeface="Shruti"/>
+      <a:font script="Khmr" typeface="DaunPenh"/>
+      <a:font script="Knda" typeface="Tunga"/>
+      <a:font script="Guru" typeface="Raavi"/>
+      <a:font script="Cans" typeface="Euphemia"/>
+      <a:font script="Cher" typeface="Plantagenet Cherokee"/>
+      <a:font script="Yiii" typeface="Microsoft Yi Baiti"/>
+      <a:font script="Tibt" typeface="Microsoft Himalaya"/>
+      <a:font script="Thaa" typeface="MV Boli"/>
+      <a:font script="Deva" typeface="Mangal"/>
+      <a:font script="Telu" typeface="Gautami"/>
+      <a:font script="Taml" typeface="Latha"/>
+      <a:font script="Syrc" typeface="Estrangelo Edessa"/>
+      <a:font script="Orya" typeface="Kalinga"/>
+      <a:font script="Mlym" typeface="Kartika"/>
+      <a:font script="Laoo" typeface="DokChampa"/>
+      <a:font script="Sinh" typeface="Iskoola Pota"/>
+      <a:font script="Mong" typeface="Mongolian Baiti"/>
+      <a:font script="Viet" typeface="Arial"/>
+      <a:font script="Uigh" typeface="Microsoft Uighur"/>
+      <a:font script="Geor" typeface="Sylfaen"/>
+      <a:font script="Armn" typeface="Arial"/>
+      <a:font script="Bugi" typeface="Leelawadee UI"/>
+      <a:font script="Bopo" typeface="Microsoft JhengHei"/>
+      <a:font script="Java" typeface="Javanese Text"/>
+      <a:font script="Lisu" typeface="Segoe UI"/>
+      <a:font script="Mymr" typeface="Myanmar Text"/>
+      <a:font script="Nkoo" typeface="Ebrima"/>
+      <a:font script="Olck" typeface="Nirmala UI"/>
+      <a:font script="Osma" typeface="Ebrima"/>
+      <a:font script="Phag" typeface="Phagspa"/>
+      <a:font script="Syrn" typeface="Estrangelo Edessa"/>
+      <a:font script="Syrj" typeface="Estrangelo Edessa"/>
+      <a:font script="Syre" typeface="Estrangelo Edessa"/>
+      <a:font script="Sora" typeface="Nirmala UI"/>
+      <a:font script="Tale" typeface="Microsoft Tai Le"/>
+      <a:font script="Talu" typeface="Microsoft New Tai Lue"/>
+      <a:font script="Tfng" typeface="Ebrima"/>
+    </a:minorFont>
+  </a:fontScheme>
+  <a:fmtScheme name="Office">
+    <a:fillStyleLst>
+      <a:solidFill>
+        <a:schemeClr val="phClr"/>
+      </a:solidFill>
+      <a:gradFill rotWithShape="1">
+        <a:gsLst>
+          <a:gs pos="0">
+            <a:schemeClr val="phClr">
+              <a:lumMod val="110000"/>
+              <a:satMod val="105000"/>
+              <a:tint val="67000"/>
+            </a:schemeClr>
+          </a:gs>
+          <a:gs pos="50000">
+            <a:schemeClr val="phClr">
+              <a:lumMod val="105000"/>
+              <a:satMod val="103000"/>
+              <a:tint val="73000"/>
+            </a:schemeClr>
+          </a:gs>
+          <a:gs pos="100000">
+            <a:schemeClr val="phClr">
+              <a:lumMod val="105000"/>
+              <a:satMod val="109000"/>
+              <a:tint val="81000"/>
+            </a:schemeClr>
+          </a:gs>
+        </a:gsLst>
+        <a:lin ang="5400000" scaled="0"/>
+      </a:gradFill>
+      <a:gradFill rotWithShape="1">
+        <a:gsLst>
+          <a:gs pos="0">
+            <a:schemeClr val="phClr">
+              <a:satMod val="103000"/>
+              <a:lumMod val="102000"/>
+              <a:tint val="94000"/>
+            </a:schemeClr>
+          </a:gs>
+          <a:gs pos="50000">
+            <a:schemeClr val="phClr">
+              <a:satMod val="110000"/>
+              <a:lumMod val="100000"/>
+              <a:shade val="100000"/>
+            </a:schemeClr>
+          </a:gs>
+          <a:gs pos="100000">
+            <a:schemeClr val="phClr">
+              <a:lumMod val="99000"/>
+              <a:satMod val="120000"/>
+              <a:shade val="78000"/>
+            </a:schemeClr>
+          </a:gs>
+        </a:gsLst>
+        <a:lin ang="5400000" scaled="0"/>
+      </a:gradFill>
+    </a:fillStyleLst>
+    <a:lnStyleLst>
+      <a:ln w="6350" cap="flat" cmpd="sng" algn="ctr">
+        <a:solidFill>
+          <a:schemeClr val="phClr"/>
+        </a:solidFill>
+        <a:prstDash val="solid"/>
+        <a:miter lim="800000"/>
+      </a:ln>
+      <a:ln w="12700" cap="flat" cmpd="sng" algn="ctr">
+        <a:solidFill>
+          <a:schemeClr val="phClr"/>
+        </a:solidFill>
+        <a:prstDash val="solid"/>
+        <a:miter lim="800000"/>
+      </a:ln>
+      <a:ln w="19050" cap="flat" cmpd="sng" algn="ctr">
+        <a:solidFill>
+          <a:schemeClr val="phClr"/>
+        </a:solidFill>
+        <a:prstDash val="solid"/>
+        <a:miter lim="800000"/>
+      </a:ln>
+    </a:lnStyleLst>
+    <a:effectStyleLst>
+      <a:effectStyle>
+        <a:effectLst/>
+      </a:effectStyle>
+      <a:effectStyle>
+        <a:effectLst/>
+      </a:effectStyle>
+      <a:effectStyle>
+        <a:effectLst>
+          <a:outerShdw blurRad="57150" dist="19050" dir="5400000" algn="ctr" rotWithShape="0">
+            <a:srgbClr val="000000">
+              <a:alpha val="63000"/>
+            </a:srgbClr>
+          </a:outerShdw>
+        </a:effectLst>
+      </a:effectStyle>
+    </a:effectStyleLst>
+    <a:bgFillStyleLst>
+      <a:solidFill>
+        <a:schemeClr val="phClr"/>
+      </a:solidFill>
+      <a:solidFill>
+        <a:schemeClr val="phClr">
+          <a:tint val="95000"/>
+          <a:satMod val="170000"/>
+        </a:schemeClr>
+      </a:solidFill>
+      <a:gradFill rotWithShape="1">
+        <a:gsLst>
+          <a:gs pos="0">
+            <a:schemeClr val="phClr">
+              <a:tint val="93000"/>
+              <a:satMod val="150000"/>
+              <a:shade val="98000"/>
+              <a:lumMod val="102000"/>
+            </a:schemeClr>
+          </a:gs>
+          <a:gs pos="50000">
+            <a:schemeClr val="phClr">
+              <a:tint val="98000"/>
+              <a:satMod val="130000"/>
+              <a:shade val="90000"/>
+              <a:lumMod val="103000"/>
+            </a:schemeClr>
+          </a:gs>
+          <a:gs pos="100000">
+            <a:schemeClr val="phClr">
+              <a:shade val="63000"/>
+              <a:satMod val="120000"/>
+            </a:schemeClr>
+          </a:gs>
+        </a:gsLst>
+        <a:lin ang="5400000" scaled="0"/>
+      </a:gradFill>
+    </a:bgFillStyleLst>
+  </a:fmtScheme>
+</a:themeOverride>
 </file>